--- a/microservices/MPS_Presentation_Microservices.pptx
+++ b/microservices/MPS_Presentation_Microservices.pptx
@@ -123,7 +123,7 @@
   </p:defaultTextStyle>
   <p:extLst>
     <p:ext uri="{EFAFB233-063F-42B5-8137-9DF3F51BA10A}">
-      <p15:sldGuideLst xmlns:p15="http://schemas.microsoft.com/office/powerpoint/2012/main" xmlns="">
+      <p15:sldGuideLst xmlns:p15="http://schemas.microsoft.com/office/powerpoint/2012/main">
         <p15:guide id="1" orient="horz" pos="2160">
           <p15:clr>
             <a:srgbClr val="A4A3A4"/>
@@ -137,7 +137,7 @@
       </p15:sldGuideLst>
     </p:ext>
     <p:ext uri="{2D200454-40CA-4A62-9FC3-DE9A4176ACB9}">
-      <p15:notesGuideLst xmlns:p15="http://schemas.microsoft.com/office/powerpoint/2012/main" xmlns="">
+      <p15:notesGuideLst xmlns:p15="http://schemas.microsoft.com/office/powerpoint/2012/main">
         <p15:guide id="1" orient="horz" pos="2880">
           <p15:clr>
             <a:srgbClr val="A4A3A4"/>
@@ -237,7 +237,7 @@
             <a:fld id="{BCA33D80-8303-451C-9BEB-490FD3663F45}" type="datetimeFigureOut">
               <a:rPr lang="en-US" smtClean="0"/>
               <a:pPr/>
-              <a:t>6/28/2018</a:t>
+              <a:t>10/12/2018</a:t>
             </a:fld>
             <a:endParaRPr lang="en-US"/>
           </a:p>
@@ -313,7 +313,7 @@
     </p:spTree>
     <p:extLst>
       <p:ext uri="{BB962C8B-B14F-4D97-AF65-F5344CB8AC3E}">
-        <p14:creationId xmlns:p14="http://schemas.microsoft.com/office/powerpoint/2010/main" xmlns="" val="2760385877"/>
+        <p14:creationId xmlns:p14="http://schemas.microsoft.com/office/powerpoint/2010/main" val="2760385877"/>
       </p:ext>
     </p:extLst>
   </p:cSld>
@@ -404,7 +404,7 @@
             <a:fld id="{4534B98C-688D-48E9-94A1-CC1F611658EC}" type="datetimeFigureOut">
               <a:rPr lang="en-US" smtClean="0"/>
               <a:pPr/>
-              <a:t>6/28/2018</a:t>
+              <a:t>10/12/2018</a:t>
             </a:fld>
             <a:endParaRPr lang="en-US"/>
           </a:p>
@@ -575,7 +575,7 @@
     </p:spTree>
     <p:extLst>
       <p:ext uri="{BB962C8B-B14F-4D97-AF65-F5344CB8AC3E}">
-        <p14:creationId xmlns:p14="http://schemas.microsoft.com/office/powerpoint/2010/main" xmlns="" val="1652514145"/>
+        <p14:creationId xmlns:p14="http://schemas.microsoft.com/office/powerpoint/2010/main" val="1652514145"/>
       </p:ext>
     </p:extLst>
   </p:cSld>
@@ -721,9 +721,12 @@
           </a:bodyPr>
           <a:lstStyle/>
           <a:p>
-            <a:pPr lvl="0"/>
-            <a:r>
-              <a:rPr lang="en-US" sz="1200" kern="1200" dirty="0" smtClean="0">
+            <a:pPr marL="171450" lvl="0" indent="-171450">
+              <a:buFontTx/>
+              <a:buChar char="-"/>
+            </a:pPr>
+            <a:r>
+              <a:rPr lang="vi-VN" sz="1200" kern="1200" dirty="0" smtClean="0">
                 <a:solidFill>
                   <a:schemeClr val="tx1"/>
                 </a:solidFill>
@@ -731,7 +734,7 @@
                 <a:ea typeface="+mn-ea"/>
                 <a:cs typeface="+mn-cs"/>
               </a:rPr>
-              <a:t>- </a:t>
+              <a:t>Ý </a:t>
             </a:r>
             <a:r>
               <a:rPr lang="vi-VN" sz="1200" kern="1200" dirty="0" smtClean="0">
@@ -742,7 +745,29 @@
                 <a:ea typeface="+mn-ea"/>
                 <a:cs typeface="+mn-cs"/>
               </a:rPr>
-              <a:t>Ý tưởng quan trọng chính là nhìn vào các tính năng trong một ứng dụng monolithic, ta có thể nhận biết, xác định các yêu cầu và khả năng cần thiết để đáp ứng một nghiệp vụ.</a:t>
+              <a:t>tưởng quan trọng chính là nhìn vào các tính năng trong một ứng dụng monolithic, ta có thể nhận biết, </a:t>
+            </a:r>
+            <a:r>
+              <a:rPr lang="vi-VN" sz="1200" kern="1200" dirty="0" smtClean="0">
+                <a:solidFill>
+                  <a:schemeClr val="tx1"/>
+                </a:solidFill>
+                <a:latin typeface="+mn-lt"/>
+                <a:ea typeface="+mn-ea"/>
+                <a:cs typeface="+mn-cs"/>
+              </a:rPr>
+              <a:t>xác </a:t>
+            </a:r>
+            <a:r>
+              <a:rPr lang="vi-VN" sz="1200" kern="1200" dirty="0" smtClean="0">
+                <a:solidFill>
+                  <a:schemeClr val="tx1"/>
+                </a:solidFill>
+                <a:latin typeface="+mn-lt"/>
+                <a:ea typeface="+mn-ea"/>
+                <a:cs typeface="+mn-cs"/>
+              </a:rPr>
+              <a:t>định các yêu cầu </a:t>
             </a:r>
             <a:endParaRPr lang="en-US" sz="1200" kern="1200" dirty="0" smtClean="0">
               <a:solidFill>
@@ -754,7 +779,10 @@
             </a:endParaRPr>
           </a:p>
           <a:p>
-            <a:pPr lvl="0"/>
+            <a:pPr marL="0" lvl="0" indent="0">
+              <a:buFontTx/>
+              <a:buNone/>
+            </a:pPr>
             <a:r>
               <a:rPr lang="vi-VN" sz="1200" kern="1200" dirty="0" smtClean="0">
                 <a:solidFill>
@@ -764,8 +792,77 @@
                 <a:ea typeface="+mn-ea"/>
                 <a:cs typeface="+mn-cs"/>
               </a:rPr>
-              <a:t>Sau đó từng năng lực nghiệp vụ này sẽ được xây dựng thành những service nhỏ, độc lập. </a:t>
-            </a:r>
+              <a:t>và </a:t>
+            </a:r>
+            <a:r>
+              <a:rPr lang="vi-VN" sz="1200" kern="1200" dirty="0" smtClean="0">
+                <a:solidFill>
+                  <a:schemeClr val="tx1"/>
+                </a:solidFill>
+                <a:latin typeface="+mn-lt"/>
+                <a:ea typeface="+mn-ea"/>
+                <a:cs typeface="+mn-cs"/>
+              </a:rPr>
+              <a:t>khả năng cần thiết để đáp ứng một nghiệp </a:t>
+            </a:r>
+            <a:r>
+              <a:rPr lang="vi-VN" sz="1200" kern="1200" dirty="0" smtClean="0">
+                <a:solidFill>
+                  <a:schemeClr val="tx1"/>
+                </a:solidFill>
+                <a:latin typeface="+mn-lt"/>
+                <a:ea typeface="+mn-ea"/>
+                <a:cs typeface="+mn-cs"/>
+              </a:rPr>
+              <a:t>vụ.</a:t>
+            </a:r>
+            <a:r>
+              <a:rPr lang="en-US" sz="1200" kern="1200" baseline="0" dirty="0" smtClean="0">
+                <a:solidFill>
+                  <a:schemeClr val="tx1"/>
+                </a:solidFill>
+                <a:latin typeface="+mn-lt"/>
+                <a:ea typeface="+mn-ea"/>
+                <a:cs typeface="+mn-cs"/>
+              </a:rPr>
+              <a:t> </a:t>
+            </a:r>
+            <a:r>
+              <a:rPr lang="vi-VN" sz="1200" kern="1200" dirty="0" smtClean="0">
+                <a:solidFill>
+                  <a:schemeClr val="tx1"/>
+                </a:solidFill>
+                <a:latin typeface="+mn-lt"/>
+                <a:ea typeface="+mn-ea"/>
+                <a:cs typeface="+mn-cs"/>
+              </a:rPr>
+              <a:t>Sau </a:t>
+            </a:r>
+            <a:r>
+              <a:rPr lang="vi-VN" sz="1200" kern="1200" dirty="0" smtClean="0">
+                <a:solidFill>
+                  <a:schemeClr val="tx1"/>
+                </a:solidFill>
+                <a:latin typeface="+mn-lt"/>
+                <a:ea typeface="+mn-ea"/>
+                <a:cs typeface="+mn-cs"/>
+              </a:rPr>
+              <a:t>đó từng năng lực nghiệp vụ này sẽ được xây dựng thành những service nhỏ, độc lập. </a:t>
+            </a:r>
+            <a:endParaRPr lang="en-US" sz="1200" kern="1200" dirty="0" smtClean="0">
+              <a:solidFill>
+                <a:schemeClr val="tx1"/>
+              </a:solidFill>
+              <a:latin typeface="+mn-lt"/>
+              <a:ea typeface="+mn-ea"/>
+              <a:cs typeface="+mn-cs"/>
+            </a:endParaRPr>
+          </a:p>
+          <a:p>
+            <a:pPr marL="0" lvl="0" indent="0">
+              <a:buFontTx/>
+              <a:buNone/>
+            </a:pPr>
             <a:endParaRPr lang="en-US" sz="1200" kern="1200" dirty="0" smtClean="0">
               <a:solidFill>
                 <a:schemeClr val="tx1"/>
@@ -2516,7 +2613,7 @@
         <p:spPr/>
         <p:txBody>
           <a:bodyPr>
-            <a:normAutofit fontScale="92500"/>
+            <a:normAutofit/>
           </a:bodyPr>
           <a:lstStyle/>
           <a:p>
@@ -10836,7 +10933,7 @@
               <a:defRPr/>
             </a:pPr>
             <a:r>
-              <a:rPr kumimoji="0" lang="en-US" altLang="ja-JP" sz="4000" b="1" i="0" u="none" strike="noStrike" kern="0" cap="none" spc="0" normalizeH="0" baseline="0" noProof="0" smtClean="0">
+              <a:rPr kumimoji="0" lang="en-US" altLang="ja-JP" sz="4000" b="1" i="0" u="none" strike="noStrike" kern="0" cap="none" spc="0" normalizeH="0" baseline="0" noProof="0" dirty="0" smtClean="0">
                 <a:ln>
                   <a:noFill/>
                 </a:ln>
@@ -10850,7 +10947,41 @@
                 <a:ea typeface="+mn-ea"/>
                 <a:cs typeface="Arial" pitchFamily="34" charset="0"/>
               </a:rPr>
-              <a:t>Minh Phuc Co., Ltd</a:t>
+              <a:t>Minh </a:t>
+            </a:r>
+            <a:r>
+              <a:rPr kumimoji="0" lang="en-US" altLang="ja-JP" sz="4000" b="1" i="0" u="none" strike="noStrike" kern="0" cap="none" spc="0" normalizeH="0" baseline="0" noProof="0" dirty="0" err="1" smtClean="0">
+                <a:ln>
+                  <a:noFill/>
+                </a:ln>
+                <a:solidFill>
+                  <a:schemeClr val="bg1"/>
+                </a:solidFill>
+                <a:effectLst/>
+                <a:uLnTx/>
+                <a:uFillTx/>
+                <a:latin typeface="Arial" pitchFamily="34" charset="0"/>
+                <a:ea typeface="+mn-ea"/>
+                <a:cs typeface="Arial" pitchFamily="34" charset="0"/>
+              </a:rPr>
+              <a:t>Phuc</a:t>
+            </a:r>
+            <a:r>
+              <a:rPr kumimoji="0" lang="en-US" altLang="ja-JP" sz="4000" b="1" i="0" u="none" strike="noStrike" kern="0" cap="none" spc="0" normalizeH="0" baseline="0" noProof="0" dirty="0" smtClean="0">
+                <a:ln>
+                  <a:noFill/>
+                </a:ln>
+                <a:solidFill>
+                  <a:schemeClr val="bg1"/>
+                </a:solidFill>
+                <a:effectLst/>
+                <a:uLnTx/>
+                <a:uFillTx/>
+                <a:latin typeface="Arial" pitchFamily="34" charset="0"/>
+                <a:ea typeface="+mn-ea"/>
+                <a:cs typeface="Arial" pitchFamily="34" charset="0"/>
+              </a:rPr>
+              <a:t> Co., Ltd</a:t>
             </a:r>
           </a:p>
           <a:p>
@@ -10872,39 +11003,29 @@
               <a:defRPr/>
             </a:pPr>
             <a:r>
-              <a:rPr kumimoji="0" lang="en-US" altLang="ja-JP" sz="4000" b="1" i="0" u="none" strike="noStrike" kern="0" cap="none" spc="0" normalizeH="0" baseline="0" noProof="0" smtClean="0">
-                <a:ln>
-                  <a:noFill/>
-                </a:ln>
+              <a:rPr lang="en-US" altLang="ja-JP" sz="4000" b="1" kern="0" dirty="0" smtClean="0">
                 <a:solidFill>
                   <a:schemeClr val="bg1"/>
                 </a:solidFill>
-                <a:effectLst/>
-                <a:uLnTx/>
-                <a:uFillTx/>
                 <a:latin typeface="Aileron SemiBold" pitchFamily="50" charset="0"/>
-                <a:ea typeface="+mn-ea"/>
                 <a:cs typeface="Verdana"/>
               </a:rPr>
-              <a:t>E-</a:t>
-            </a:r>
-            <a:r>
-              <a:rPr kumimoji="0" lang="ja-JP" altLang="en-US" sz="4000" b="1" i="0" u="none" strike="noStrike" kern="0" cap="none" spc="0" normalizeH="0" baseline="0" noProof="0" smtClean="0">
-                <a:ln>
-                  <a:noFill/>
-                </a:ln>
-                <a:solidFill>
-                  <a:schemeClr val="bg1"/>
-                </a:solidFill>
-                <a:effectLst/>
-                <a:uLnTx/>
-                <a:uFillTx/>
-                <a:latin typeface="Aileron SemiBold" pitchFamily="50" charset="0"/>
-                <a:ea typeface="+mn-ea"/>
-                <a:cs typeface="Verdana"/>
-              </a:rPr>
-              <a:t>マーケットプレイス ソリューション</a:t>
-            </a:r>
+              <a:t>MICROSERVICES ARCHITECTURE</a:t>
+            </a:r>
+            <a:endParaRPr kumimoji="0" lang="ja-JP" altLang="en-US" sz="4000" b="1" i="0" u="none" strike="noStrike" kern="0" cap="none" spc="0" normalizeH="0" baseline="0" noProof="0" dirty="0" smtClean="0">
+              <a:ln>
+                <a:noFill/>
+              </a:ln>
+              <a:solidFill>
+                <a:schemeClr val="bg1"/>
+              </a:solidFill>
+              <a:effectLst/>
+              <a:uLnTx/>
+              <a:uFillTx/>
+              <a:latin typeface="Aileron SemiBold" pitchFamily="50" charset="0"/>
+              <a:ea typeface="+mn-ea"/>
+              <a:cs typeface="Verdana"/>
+            </a:endParaRPr>
           </a:p>
           <a:p>
             <a:pPr marL="342900" marR="0" lvl="0" indent="-342900" algn="l" defTabSz="914400" rtl="0" eaLnBrk="1" fontAlgn="auto" latinLnBrk="0" hangingPunct="1">
@@ -11329,8 +11450,8 @@
         </p:nvSpPr>
         <p:spPr>
           <a:xfrm>
-            <a:off x="685800" y="4343400"/>
-            <a:ext cx="7848600" cy="1938992"/>
+            <a:off x="685800" y="5105400"/>
+            <a:ext cx="7848600" cy="1323439"/>
           </a:xfrm>
           <a:prstGeom prst="rect">
             <a:avLst/>
@@ -11345,25 +11466,25 @@
           <a:p>
             <a:pPr lvl="0" algn="just"/>
             <a:r>
+              <a:rPr lang="en-US" sz="2000" dirty="0" err="1" smtClean="0">
+                <a:latin typeface="Times New Roman" pitchFamily="18" charset="0"/>
+                <a:cs typeface="Times New Roman" pitchFamily="18" charset="0"/>
+              </a:rPr>
+              <a:t>Kiến</a:t>
+            </a:r>
+            <a:r>
               <a:rPr lang="en-US" sz="2000" dirty="0" smtClean="0">
                 <a:latin typeface="Times New Roman" pitchFamily="18" charset="0"/>
                 <a:cs typeface="Times New Roman" pitchFamily="18" charset="0"/>
               </a:rPr>
-              <a:t>- </a:t>
-            </a:r>
-            <a:r>
-              <a:rPr lang="vi-VN" sz="2000" dirty="0" smtClean="0">
-                <a:latin typeface="Times New Roman" pitchFamily="18" charset="0"/>
-                <a:cs typeface="Times New Roman" pitchFamily="18" charset="0"/>
-              </a:rPr>
-              <a:t>Microservices là một kỹ thuật phát triển phần mềm - một biến thể </a:t>
+              <a:t> </a:t>
             </a:r>
             <a:r>
               <a:rPr lang="en-US" sz="2000" dirty="0" err="1" smtClean="0">
                 <a:latin typeface="Times New Roman" pitchFamily="18" charset="0"/>
                 <a:cs typeface="Times New Roman" pitchFamily="18" charset="0"/>
               </a:rPr>
-              <a:t>của</a:t>
+              <a:t>trúc</a:t>
             </a:r>
             <a:r>
               <a:rPr lang="en-US" sz="2000" dirty="0" smtClean="0">
@@ -11373,102 +11494,11 @@
               <a:t> </a:t>
             </a:r>
             <a:r>
-              <a:rPr lang="vi-VN" sz="2000" dirty="0" smtClean="0">
-                <a:latin typeface="Times New Roman" pitchFamily="18" charset="0"/>
-                <a:cs typeface="Times New Roman" pitchFamily="18" charset="0"/>
-              </a:rPr>
-              <a:t>kiến ​​trúc</a:t>
-            </a:r>
-            <a:r>
-              <a:rPr lang="en-US" sz="2000" dirty="0" smtClean="0">
-                <a:latin typeface="Times New Roman" pitchFamily="18" charset="0"/>
-                <a:cs typeface="Times New Roman" pitchFamily="18" charset="0"/>
-              </a:rPr>
-              <a:t> SOA</a:t>
-            </a:r>
-            <a:r>
-              <a:rPr lang="vi-VN" sz="2000" dirty="0" smtClean="0">
-                <a:latin typeface="Times New Roman" pitchFamily="18" charset="0"/>
-                <a:cs typeface="Times New Roman" pitchFamily="18" charset="0"/>
-              </a:rPr>
-              <a:t> (</a:t>
-            </a:r>
-            <a:r>
-              <a:rPr lang="en-US" sz="2000" dirty="0" smtClean="0">
-                <a:latin typeface="Times New Roman" pitchFamily="18" charset="0"/>
-                <a:cs typeface="Times New Roman" pitchFamily="18" charset="0"/>
-              </a:rPr>
-              <a:t>Service – Oriented  Architecture</a:t>
-            </a:r>
-            <a:r>
-              <a:rPr lang="vi-VN" sz="2000" dirty="0" smtClean="0">
-                <a:latin typeface="Times New Roman" pitchFamily="18" charset="0"/>
-                <a:cs typeface="Times New Roman" pitchFamily="18" charset="0"/>
-              </a:rPr>
-              <a:t>)</a:t>
-            </a:r>
-            <a:endParaRPr lang="en-US" sz="2000" dirty="0" smtClean="0">
-              <a:latin typeface="Times New Roman" pitchFamily="18" charset="0"/>
-              <a:cs typeface="Times New Roman" pitchFamily="18" charset="0"/>
-            </a:endParaRPr>
-          </a:p>
-          <a:p>
-            <a:pPr lvl="0" algn="just"/>
-            <a:r>
-              <a:rPr lang="en-US" sz="2000" dirty="0" smtClean="0">
-                <a:latin typeface="Times New Roman" pitchFamily="18" charset="0"/>
-                <a:cs typeface="Times New Roman" pitchFamily="18" charset="0"/>
-              </a:rPr>
-              <a:t>- </a:t>
-            </a:r>
-            <a:r>
               <a:rPr lang="en-US" sz="2000" dirty="0" err="1" smtClean="0">
                 <a:latin typeface="Times New Roman" pitchFamily="18" charset="0"/>
                 <a:cs typeface="Times New Roman" pitchFamily="18" charset="0"/>
               </a:rPr>
-              <a:t>Kiến</a:t>
-            </a:r>
-            <a:r>
-              <a:rPr lang="en-US" sz="2000" dirty="0" smtClean="0">
-                <a:latin typeface="Times New Roman" pitchFamily="18" charset="0"/>
-                <a:cs typeface="Times New Roman" pitchFamily="18" charset="0"/>
-              </a:rPr>
-              <a:t> </a:t>
-            </a:r>
-            <a:r>
-              <a:rPr lang="en-US" sz="2000" dirty="0" err="1" smtClean="0">
-                <a:latin typeface="Times New Roman" pitchFamily="18" charset="0"/>
-                <a:cs typeface="Times New Roman" pitchFamily="18" charset="0"/>
-              </a:rPr>
-              <a:t>trúc</a:t>
-            </a:r>
-            <a:r>
-              <a:rPr lang="en-US" sz="2000" dirty="0" smtClean="0">
-                <a:latin typeface="Times New Roman" pitchFamily="18" charset="0"/>
-                <a:cs typeface="Times New Roman" pitchFamily="18" charset="0"/>
-              </a:rPr>
-              <a:t> </a:t>
-            </a:r>
-            <a:r>
-              <a:rPr lang="en-US" sz="2000" dirty="0" err="1" smtClean="0">
-                <a:latin typeface="Times New Roman" pitchFamily="18" charset="0"/>
-                <a:cs typeface="Times New Roman" pitchFamily="18" charset="0"/>
-              </a:rPr>
               <a:t>Microservices</a:t>
-            </a:r>
-            <a:r>
-              <a:rPr lang="en-US" sz="2000" dirty="0" smtClean="0">
-                <a:latin typeface="Times New Roman" pitchFamily="18" charset="0"/>
-                <a:cs typeface="Times New Roman" pitchFamily="18" charset="0"/>
-              </a:rPr>
-              <a:t> </a:t>
-            </a:r>
-            <a:r>
-              <a:rPr lang="en-US" sz="2000" dirty="0" err="1" smtClean="0">
-                <a:latin typeface="Times New Roman" pitchFamily="18" charset="0"/>
-                <a:cs typeface="Times New Roman" pitchFamily="18" charset="0"/>
-              </a:rPr>
-              <a:t>là</a:t>
             </a:r>
             <a:r>
               <a:rPr lang="en-US" sz="2000" dirty="0" smtClean="0">
@@ -11862,6 +11892,109 @@
               <a:latin typeface="Times New Roman" pitchFamily="18" charset="0"/>
               <a:cs typeface="Times New Roman" pitchFamily="18" charset="0"/>
             </a:endParaRPr>
+          </a:p>
+        </p:txBody>
+      </p:sp>
+      <p:sp>
+        <p:nvSpPr>
+          <p:cNvPr id="2" name="TextBox 1"/>
+          <p:cNvSpPr txBox="1"/>
+          <p:nvPr/>
+        </p:nvSpPr>
+        <p:spPr>
+          <a:xfrm>
+            <a:off x="685800" y="4410670"/>
+            <a:ext cx="7696200" cy="1015663"/>
+          </a:xfrm>
+          <a:prstGeom prst="rect">
+            <a:avLst/>
+          </a:prstGeom>
+          <a:noFill/>
+        </p:spPr>
+        <p:txBody>
+          <a:bodyPr wrap="square" rtlCol="0">
+            <a:spAutoFit/>
+          </a:bodyPr>
+          <a:lstStyle/>
+          <a:p>
+            <a:pPr lvl="0"/>
+            <a:r>
+              <a:rPr lang="en-US" sz="2000" dirty="0">
+                <a:latin typeface="Times New Roman" pitchFamily="18" charset="0"/>
+                <a:cs typeface="Times New Roman" pitchFamily="18" charset="0"/>
+              </a:rPr>
+              <a:t>M</a:t>
+            </a:r>
+            <a:r>
+              <a:rPr lang="vi-VN" sz="2000" dirty="0" smtClean="0">
+                <a:latin typeface="Times New Roman" pitchFamily="18" charset="0"/>
+                <a:cs typeface="Times New Roman" pitchFamily="18" charset="0"/>
+              </a:rPr>
+              <a:t>ột </a:t>
+            </a:r>
+            <a:r>
+              <a:rPr lang="vi-VN" sz="2000" dirty="0">
+                <a:latin typeface="Times New Roman" pitchFamily="18" charset="0"/>
+                <a:cs typeface="Times New Roman" pitchFamily="18" charset="0"/>
+              </a:rPr>
+              <a:t>kỹ thuật phát triển phần mềm - một biến thể </a:t>
+            </a:r>
+            <a:r>
+              <a:rPr lang="en-US" sz="2000" dirty="0" err="1">
+                <a:latin typeface="Times New Roman" pitchFamily="18" charset="0"/>
+                <a:cs typeface="Times New Roman" pitchFamily="18" charset="0"/>
+              </a:rPr>
+              <a:t>của</a:t>
+            </a:r>
+            <a:r>
+              <a:rPr lang="en-US" sz="2000" dirty="0">
+                <a:latin typeface="Times New Roman" pitchFamily="18" charset="0"/>
+                <a:cs typeface="Times New Roman" pitchFamily="18" charset="0"/>
+              </a:rPr>
+              <a:t> </a:t>
+            </a:r>
+            <a:r>
+              <a:rPr lang="vi-VN" sz="2000" dirty="0">
+                <a:latin typeface="Times New Roman" pitchFamily="18" charset="0"/>
+                <a:cs typeface="Times New Roman" pitchFamily="18" charset="0"/>
+              </a:rPr>
+              <a:t>kiến ​​trúc</a:t>
+            </a:r>
+            <a:r>
+              <a:rPr lang="en-US" sz="2000" dirty="0">
+                <a:latin typeface="Times New Roman" pitchFamily="18" charset="0"/>
+                <a:cs typeface="Times New Roman" pitchFamily="18" charset="0"/>
+              </a:rPr>
+              <a:t> SOA</a:t>
+            </a:r>
+            <a:r>
+              <a:rPr lang="vi-VN" sz="2000" dirty="0">
+                <a:latin typeface="Times New Roman" pitchFamily="18" charset="0"/>
+                <a:cs typeface="Times New Roman" pitchFamily="18" charset="0"/>
+              </a:rPr>
+              <a:t> (</a:t>
+            </a:r>
+            <a:r>
+              <a:rPr lang="en-US" sz="2000" dirty="0">
+                <a:latin typeface="Times New Roman" pitchFamily="18" charset="0"/>
+                <a:cs typeface="Times New Roman" pitchFamily="18" charset="0"/>
+              </a:rPr>
+              <a:t>Service – Oriented  Architecture</a:t>
+            </a:r>
+            <a:r>
+              <a:rPr lang="vi-VN" sz="2000" dirty="0">
+                <a:latin typeface="Times New Roman" pitchFamily="18" charset="0"/>
+                <a:cs typeface="Times New Roman" pitchFamily="18" charset="0"/>
+              </a:rPr>
+              <a:t>)</a:t>
+            </a:r>
+            <a:endParaRPr lang="en-US" sz="2000" dirty="0">
+              <a:latin typeface="Times New Roman" pitchFamily="18" charset="0"/>
+              <a:cs typeface="Times New Roman" pitchFamily="18" charset="0"/>
+            </a:endParaRPr>
+          </a:p>
+          <a:p>
+            <a:endParaRPr lang="en-US" sz="2000" dirty="0"/>
           </a:p>
         </p:txBody>
       </p:sp>
@@ -11874,9 +12007,279 @@
   <p:timing>
     <p:tnLst>
       <p:par>
-        <p:cTn id="1" dur="indefinite" restart="never" nodeType="tmRoot"/>
+        <p:cTn id="1" dur="indefinite" restart="never" nodeType="tmRoot">
+          <p:childTnLst>
+            <p:seq concurrent="1" nextAc="seek">
+              <p:cTn id="2" dur="indefinite" nodeType="mainSeq">
+                <p:childTnLst>
+                  <p:par>
+                    <p:cTn id="3" fill="hold">
+                      <p:stCondLst>
+                        <p:cond delay="indefinite"/>
+                      </p:stCondLst>
+                      <p:childTnLst>
+                        <p:par>
+                          <p:cTn id="4" fill="hold">
+                            <p:stCondLst>
+                              <p:cond delay="0"/>
+                            </p:stCondLst>
+                            <p:childTnLst>
+                              <p:par>
+                                <p:cTn id="5" presetID="16" presetClass="entr" presetSubtype="21" fill="hold" nodeType="clickEffect">
+                                  <p:stCondLst>
+                                    <p:cond delay="0"/>
+                                  </p:stCondLst>
+                                  <p:childTnLst>
+                                    <p:set>
+                                      <p:cBhvr>
+                                        <p:cTn id="6" dur="1" fill="hold">
+                                          <p:stCondLst>
+                                            <p:cond delay="0"/>
+                                          </p:stCondLst>
+                                        </p:cTn>
+                                        <p:tgtEl>
+                                          <p:spTgt spid="3"/>
+                                        </p:tgtEl>
+                                        <p:attrNameLst>
+                                          <p:attrName>style.visibility</p:attrName>
+                                        </p:attrNameLst>
+                                      </p:cBhvr>
+                                      <p:to>
+                                        <p:strVal val="visible"/>
+                                      </p:to>
+                                    </p:set>
+                                    <p:animEffect transition="in" filter="barn(inVertical)">
+                                      <p:cBhvr>
+                                        <p:cTn id="7" dur="500"/>
+                                        <p:tgtEl>
+                                          <p:spTgt spid="3"/>
+                                        </p:tgtEl>
+                                      </p:cBhvr>
+                                    </p:animEffect>
+                                  </p:childTnLst>
+                                </p:cTn>
+                              </p:par>
+                            </p:childTnLst>
+                          </p:cTn>
+                        </p:par>
+                      </p:childTnLst>
+                    </p:cTn>
+                  </p:par>
+                  <p:par>
+                    <p:cTn id="8" fill="hold">
+                      <p:stCondLst>
+                        <p:cond delay="indefinite"/>
+                      </p:stCondLst>
+                      <p:childTnLst>
+                        <p:par>
+                          <p:cTn id="9" fill="hold">
+                            <p:stCondLst>
+                              <p:cond delay="0"/>
+                            </p:stCondLst>
+                            <p:childTnLst>
+                              <p:par>
+                                <p:cTn id="10" presetID="42" presetClass="entr" presetSubtype="0" fill="hold" grpId="0" nodeType="clickEffect">
+                                  <p:stCondLst>
+                                    <p:cond delay="0"/>
+                                  </p:stCondLst>
+                                  <p:childTnLst>
+                                    <p:set>
+                                      <p:cBhvr>
+                                        <p:cTn id="11" dur="1" fill="hold">
+                                          <p:stCondLst>
+                                            <p:cond delay="0"/>
+                                          </p:stCondLst>
+                                        </p:cTn>
+                                        <p:tgtEl>
+                                          <p:spTgt spid="2"/>
+                                        </p:tgtEl>
+                                        <p:attrNameLst>
+                                          <p:attrName>style.visibility</p:attrName>
+                                        </p:attrNameLst>
+                                      </p:cBhvr>
+                                      <p:to>
+                                        <p:strVal val="visible"/>
+                                      </p:to>
+                                    </p:set>
+                                    <p:animEffect transition="in" filter="fade">
+                                      <p:cBhvr>
+                                        <p:cTn id="12" dur="1000"/>
+                                        <p:tgtEl>
+                                          <p:spTgt spid="2"/>
+                                        </p:tgtEl>
+                                      </p:cBhvr>
+                                    </p:animEffect>
+                                    <p:anim calcmode="lin" valueType="num">
+                                      <p:cBhvr>
+                                        <p:cTn id="13" dur="1000" fill="hold"/>
+                                        <p:tgtEl>
+                                          <p:spTgt spid="2"/>
+                                        </p:tgtEl>
+                                        <p:attrNameLst>
+                                          <p:attrName>ppt_x</p:attrName>
+                                        </p:attrNameLst>
+                                      </p:cBhvr>
+                                      <p:tavLst>
+                                        <p:tav tm="0">
+                                          <p:val>
+                                            <p:strVal val="#ppt_x"/>
+                                          </p:val>
+                                        </p:tav>
+                                        <p:tav tm="100000">
+                                          <p:val>
+                                            <p:strVal val="#ppt_x"/>
+                                          </p:val>
+                                        </p:tav>
+                                      </p:tavLst>
+                                    </p:anim>
+                                    <p:anim calcmode="lin" valueType="num">
+                                      <p:cBhvr>
+                                        <p:cTn id="14" dur="1000" fill="hold"/>
+                                        <p:tgtEl>
+                                          <p:spTgt spid="2"/>
+                                        </p:tgtEl>
+                                        <p:attrNameLst>
+                                          <p:attrName>ppt_y</p:attrName>
+                                        </p:attrNameLst>
+                                      </p:cBhvr>
+                                      <p:tavLst>
+                                        <p:tav tm="0">
+                                          <p:val>
+                                            <p:strVal val="#ppt_y+.1"/>
+                                          </p:val>
+                                        </p:tav>
+                                        <p:tav tm="100000">
+                                          <p:val>
+                                            <p:strVal val="#ppt_y"/>
+                                          </p:val>
+                                        </p:tav>
+                                      </p:tavLst>
+                                    </p:anim>
+                                  </p:childTnLst>
+                                </p:cTn>
+                              </p:par>
+                            </p:childTnLst>
+                          </p:cTn>
+                        </p:par>
+                      </p:childTnLst>
+                    </p:cTn>
+                  </p:par>
+                  <p:par>
+                    <p:cTn id="15" fill="hold">
+                      <p:stCondLst>
+                        <p:cond delay="indefinite"/>
+                      </p:stCondLst>
+                      <p:childTnLst>
+                        <p:par>
+                          <p:cTn id="16" fill="hold">
+                            <p:stCondLst>
+                              <p:cond delay="0"/>
+                            </p:stCondLst>
+                            <p:childTnLst>
+                              <p:par>
+                                <p:cTn id="17" presetID="2" presetClass="entr" presetSubtype="4" fill="hold" grpId="0" nodeType="clickEffect">
+                                  <p:stCondLst>
+                                    <p:cond delay="0"/>
+                                  </p:stCondLst>
+                                  <p:childTnLst>
+                                    <p:set>
+                                      <p:cBhvr>
+                                        <p:cTn id="18" dur="1" fill="hold">
+                                          <p:stCondLst>
+                                            <p:cond delay="0"/>
+                                          </p:stCondLst>
+                                        </p:cTn>
+                                        <p:tgtEl>
+                                          <p:spTgt spid="4"/>
+                                        </p:tgtEl>
+                                        <p:attrNameLst>
+                                          <p:attrName>style.visibility</p:attrName>
+                                        </p:attrNameLst>
+                                      </p:cBhvr>
+                                      <p:to>
+                                        <p:strVal val="visible"/>
+                                      </p:to>
+                                    </p:set>
+                                    <p:anim calcmode="lin" valueType="num">
+                                      <p:cBhvr additive="base">
+                                        <p:cTn id="19" dur="500" fill="hold"/>
+                                        <p:tgtEl>
+                                          <p:spTgt spid="4"/>
+                                        </p:tgtEl>
+                                        <p:attrNameLst>
+                                          <p:attrName>ppt_x</p:attrName>
+                                        </p:attrNameLst>
+                                      </p:cBhvr>
+                                      <p:tavLst>
+                                        <p:tav tm="0">
+                                          <p:val>
+                                            <p:strVal val="#ppt_x"/>
+                                          </p:val>
+                                        </p:tav>
+                                        <p:tav tm="100000">
+                                          <p:val>
+                                            <p:strVal val="#ppt_x"/>
+                                          </p:val>
+                                        </p:tav>
+                                      </p:tavLst>
+                                    </p:anim>
+                                    <p:anim calcmode="lin" valueType="num">
+                                      <p:cBhvr additive="base">
+                                        <p:cTn id="20" dur="500" fill="hold"/>
+                                        <p:tgtEl>
+                                          <p:spTgt spid="4"/>
+                                        </p:tgtEl>
+                                        <p:attrNameLst>
+                                          <p:attrName>ppt_y</p:attrName>
+                                        </p:attrNameLst>
+                                      </p:cBhvr>
+                                      <p:tavLst>
+                                        <p:tav tm="0">
+                                          <p:val>
+                                            <p:strVal val="1+#ppt_h/2"/>
+                                          </p:val>
+                                        </p:tav>
+                                        <p:tav tm="100000">
+                                          <p:val>
+                                            <p:strVal val="#ppt_y"/>
+                                          </p:val>
+                                        </p:tav>
+                                      </p:tavLst>
+                                    </p:anim>
+                                  </p:childTnLst>
+                                </p:cTn>
+                              </p:par>
+                            </p:childTnLst>
+                          </p:cTn>
+                        </p:par>
+                      </p:childTnLst>
+                    </p:cTn>
+                  </p:par>
+                </p:childTnLst>
+              </p:cTn>
+              <p:prevCondLst>
+                <p:cond evt="onPrev" delay="0">
+                  <p:tgtEl>
+                    <p:sldTgt/>
+                  </p:tgtEl>
+                </p:cond>
+              </p:prevCondLst>
+              <p:nextCondLst>
+                <p:cond evt="onNext" delay="0">
+                  <p:tgtEl>
+                    <p:sldTgt/>
+                  </p:tgtEl>
+                </p:cond>
+              </p:nextCondLst>
+            </p:seq>
+          </p:childTnLst>
+        </p:cTn>
       </p:par>
     </p:tnLst>
+    <p:bldLst>
+      <p:bldP spid="4" grpId="0"/>
+      <p:bldP spid="2" grpId="0"/>
+    </p:bldLst>
   </p:timing>
 </p:sld>
 </file>
@@ -11908,17 +12311,39 @@
             <p:ph idx="1"/>
           </p:nvPr>
         </p:nvPicPr>
-        <p:blipFill>
+        <p:blipFill rotWithShape="1">
           <a:blip r:embed="rId3"/>
-          <a:stretch>
-            <a:fillRect/>
-          </a:stretch>
+          <a:srcRect l="-1" r="65049"/>
+          <a:stretch/>
         </p:blipFill>
         <p:spPr>
           <a:xfrm>
             <a:off x="533400" y="1143000"/>
-            <a:ext cx="7924800" cy="4495800"/>
+            <a:ext cx="2743200" cy="4495800"/>
           </a:xfrm>
+        </p:spPr>
+      </p:pic>
+      <p:pic>
+        <p:nvPicPr>
+          <p:cNvPr id="3" name="Content Placeholder 4" descr="1_xu1Ge_Cew0DHdSU6ETcpLQ.png"/>
+          <p:cNvPicPr>
+            <a:picLocks noGrp="1" noChangeAspect="1"/>
+          </p:cNvPicPr>
+          <p:nvPr/>
+        </p:nvPicPr>
+        <p:blipFill rotWithShape="1">
+          <a:blip r:embed="rId3"/>
+          <a:srcRect l="35577" t="-847"/>
+          <a:stretch/>
+        </p:blipFill>
+        <p:spPr>
+          <a:xfrm>
+            <a:off x="3429000" y="1143000"/>
+            <a:ext cx="5105400" cy="4533900"/>
+          </a:xfrm>
+          <a:prstGeom prst="rect">
+            <a:avLst/>
+          </a:prstGeom>
         </p:spPr>
       </p:pic>
     </p:spTree>
@@ -11929,7 +12354,136 @@
   <p:timing>
     <p:tnLst>
       <p:par>
-        <p:cTn id="1" dur="indefinite" restart="never" nodeType="tmRoot"/>
+        <p:cTn id="1" dur="indefinite" restart="never" nodeType="tmRoot">
+          <p:childTnLst>
+            <p:seq concurrent="1" nextAc="seek">
+              <p:cTn id="2" dur="indefinite" nodeType="mainSeq">
+                <p:childTnLst>
+                  <p:par>
+                    <p:cTn id="3" fill="hold">
+                      <p:stCondLst>
+                        <p:cond delay="indefinite"/>
+                      </p:stCondLst>
+                      <p:childTnLst>
+                        <p:par>
+                          <p:cTn id="4" fill="hold">
+                            <p:stCondLst>
+                              <p:cond delay="0"/>
+                            </p:stCondLst>
+                            <p:childTnLst>
+                              <p:par>
+                                <p:cTn id="5" presetID="10" presetClass="entr" presetSubtype="0" fill="hold" nodeType="clickEffect">
+                                  <p:stCondLst>
+                                    <p:cond delay="0"/>
+                                  </p:stCondLst>
+                                  <p:childTnLst>
+                                    <p:set>
+                                      <p:cBhvr>
+                                        <p:cTn id="6" dur="1" fill="hold">
+                                          <p:stCondLst>
+                                            <p:cond delay="0"/>
+                                          </p:stCondLst>
+                                        </p:cTn>
+                                        <p:tgtEl>
+                                          <p:spTgt spid="5"/>
+                                        </p:tgtEl>
+                                        <p:attrNameLst>
+                                          <p:attrName>style.visibility</p:attrName>
+                                        </p:attrNameLst>
+                                      </p:cBhvr>
+                                      <p:to>
+                                        <p:strVal val="visible"/>
+                                      </p:to>
+                                    </p:set>
+                                    <p:animEffect transition="in" filter="fade">
+                                      <p:cBhvr>
+                                        <p:cTn id="7" dur="500"/>
+                                        <p:tgtEl>
+                                          <p:spTgt spid="5"/>
+                                        </p:tgtEl>
+                                      </p:cBhvr>
+                                    </p:animEffect>
+                                  </p:childTnLst>
+                                </p:cTn>
+                              </p:par>
+                            </p:childTnLst>
+                          </p:cTn>
+                        </p:par>
+                      </p:childTnLst>
+                    </p:cTn>
+                  </p:par>
+                  <p:par>
+                    <p:cTn id="8" fill="hold">
+                      <p:stCondLst>
+                        <p:cond delay="indefinite"/>
+                      </p:stCondLst>
+                      <p:childTnLst>
+                        <p:par>
+                          <p:cTn id="9" fill="hold">
+                            <p:stCondLst>
+                              <p:cond delay="0"/>
+                            </p:stCondLst>
+                            <p:childTnLst>
+                              <p:par>
+                                <p:cTn id="10" presetID="6" presetClass="entr" presetSubtype="16" fill="hold" nodeType="clickEffect">
+                                  <p:stCondLst>
+                                    <p:cond delay="0"/>
+                                  </p:stCondLst>
+                                  <p:childTnLst>
+                                    <p:set>
+                                      <p:cBhvr>
+                                        <p:cTn id="11" dur="1" fill="hold">
+                                          <p:stCondLst>
+                                            <p:cond delay="0"/>
+                                          </p:stCondLst>
+                                        </p:cTn>
+                                        <p:tgtEl>
+                                          <p:spTgt spid="3"/>
+                                        </p:tgtEl>
+                                        <p:attrNameLst>
+                                          <p:attrName>style.visibility</p:attrName>
+                                        </p:attrNameLst>
+                                      </p:cBhvr>
+                                      <p:to>
+                                        <p:strVal val="visible"/>
+                                      </p:to>
+                                    </p:set>
+                                    <p:animEffect transition="in" filter="circle(in)">
+                                      <p:cBhvr>
+                                        <p:cTn id="12" dur="2000"/>
+                                        <p:tgtEl>
+                                          <p:spTgt spid="3"/>
+                                        </p:tgtEl>
+                                      </p:cBhvr>
+                                    </p:animEffect>
+                                  </p:childTnLst>
+                                </p:cTn>
+                              </p:par>
+                            </p:childTnLst>
+                          </p:cTn>
+                        </p:par>
+                      </p:childTnLst>
+                    </p:cTn>
+                  </p:par>
+                </p:childTnLst>
+              </p:cTn>
+              <p:prevCondLst>
+                <p:cond evt="onPrev" delay="0">
+                  <p:tgtEl>
+                    <p:sldTgt/>
+                  </p:tgtEl>
+                </p:cond>
+              </p:prevCondLst>
+              <p:nextCondLst>
+                <p:cond evt="onNext" delay="0">
+                  <p:tgtEl>
+                    <p:sldTgt/>
+                  </p:tgtEl>
+                </p:cond>
+              </p:nextCondLst>
+            </p:seq>
+          </p:childTnLst>
+        </p:cTn>
       </p:par>
     </p:tnLst>
   </p:timing>
@@ -11953,1281 +12507,6 @@
           <a:chExt cx="0" cy="0"/>
         </a:xfrm>
       </p:grpSpPr>
-      <p:sp>
-        <p:nvSpPr>
-          <p:cNvPr id="5" name="Text Placeholder 4"/>
-          <p:cNvSpPr>
-            <a:spLocks noGrp="1"/>
-          </p:cNvSpPr>
-          <p:nvPr>
-            <p:ph type="body" idx="1"/>
-          </p:nvPr>
-        </p:nvSpPr>
-        <p:spPr>
-          <a:xfrm>
-            <a:off x="533400" y="4191000"/>
-            <a:ext cx="8077200" cy="2133600"/>
-          </a:xfrm>
-        </p:spPr>
-        <p:txBody>
-          <a:bodyPr>
-            <a:noAutofit/>
-          </a:bodyPr>
-          <a:lstStyle/>
-          <a:p>
-            <a:pPr lvl="0" algn="just">
-              <a:buFontTx/>
-              <a:buChar char="-"/>
-            </a:pPr>
-            <a:r>
-              <a:rPr lang="en-US" sz="1800" dirty="0" smtClean="0">
-                <a:solidFill>
-                  <a:schemeClr val="tx1"/>
-                </a:solidFill>
-                <a:latin typeface="Times New Roman" pitchFamily="18" charset="0"/>
-                <a:cs typeface="Times New Roman" pitchFamily="18" charset="0"/>
-              </a:rPr>
-              <a:t> </a:t>
-            </a:r>
-            <a:r>
-              <a:rPr lang="en-US" sz="1800" dirty="0" err="1" smtClean="0">
-                <a:solidFill>
-                  <a:schemeClr val="tx1"/>
-                </a:solidFill>
-                <a:latin typeface="Times New Roman" pitchFamily="18" charset="0"/>
-                <a:cs typeface="Times New Roman" pitchFamily="18" charset="0"/>
-              </a:rPr>
-              <a:t>Giúp</a:t>
-            </a:r>
-            <a:r>
-              <a:rPr lang="en-US" sz="1800" dirty="0" smtClean="0">
-                <a:solidFill>
-                  <a:schemeClr val="tx1"/>
-                </a:solidFill>
-                <a:latin typeface="Times New Roman" pitchFamily="18" charset="0"/>
-                <a:cs typeface="Times New Roman" pitchFamily="18" charset="0"/>
-              </a:rPr>
-              <a:t> </a:t>
-            </a:r>
-            <a:r>
-              <a:rPr lang="en-US" sz="1800" dirty="0" err="1" smtClean="0">
-                <a:solidFill>
-                  <a:schemeClr val="tx1"/>
-                </a:solidFill>
-                <a:latin typeface="Times New Roman" pitchFamily="18" charset="0"/>
-                <a:cs typeface="Times New Roman" pitchFamily="18" charset="0"/>
-              </a:rPr>
-              <a:t>giảm</a:t>
-            </a:r>
-            <a:r>
-              <a:rPr lang="en-US" sz="1800" dirty="0" smtClean="0">
-                <a:solidFill>
-                  <a:schemeClr val="tx1"/>
-                </a:solidFill>
-                <a:latin typeface="Times New Roman" pitchFamily="18" charset="0"/>
-                <a:cs typeface="Times New Roman" pitchFamily="18" charset="0"/>
-              </a:rPr>
-              <a:t> </a:t>
-            </a:r>
-            <a:r>
-              <a:rPr lang="en-US" sz="1800" dirty="0" err="1" smtClean="0">
-                <a:solidFill>
-                  <a:schemeClr val="tx1"/>
-                </a:solidFill>
-                <a:latin typeface="Times New Roman" pitchFamily="18" charset="0"/>
-                <a:cs typeface="Times New Roman" pitchFamily="18" charset="0"/>
-              </a:rPr>
-              <a:t>thiểu</a:t>
-            </a:r>
-            <a:r>
-              <a:rPr lang="en-US" sz="1800" dirty="0" smtClean="0">
-                <a:solidFill>
-                  <a:schemeClr val="tx1"/>
-                </a:solidFill>
-                <a:latin typeface="Times New Roman" pitchFamily="18" charset="0"/>
-                <a:cs typeface="Times New Roman" pitchFamily="18" charset="0"/>
-              </a:rPr>
-              <a:t> </a:t>
-            </a:r>
-            <a:r>
-              <a:rPr lang="en-US" sz="1800" dirty="0" err="1" smtClean="0">
-                <a:solidFill>
-                  <a:schemeClr val="tx1"/>
-                </a:solidFill>
-                <a:latin typeface="Times New Roman" pitchFamily="18" charset="0"/>
-                <a:cs typeface="Times New Roman" pitchFamily="18" charset="0"/>
-              </a:rPr>
-              <a:t>quá</a:t>
-            </a:r>
-            <a:r>
-              <a:rPr lang="en-US" sz="1800" dirty="0" smtClean="0">
-                <a:solidFill>
-                  <a:schemeClr val="tx1"/>
-                </a:solidFill>
-                <a:latin typeface="Times New Roman" pitchFamily="18" charset="0"/>
-                <a:cs typeface="Times New Roman" pitchFamily="18" charset="0"/>
-              </a:rPr>
-              <a:t> </a:t>
-            </a:r>
-            <a:r>
-              <a:rPr lang="en-US" sz="1800" dirty="0" err="1" smtClean="0">
-                <a:solidFill>
-                  <a:schemeClr val="tx1"/>
-                </a:solidFill>
-                <a:latin typeface="Times New Roman" pitchFamily="18" charset="0"/>
-                <a:cs typeface="Times New Roman" pitchFamily="18" charset="0"/>
-              </a:rPr>
-              <a:t>trình</a:t>
-            </a:r>
-            <a:r>
-              <a:rPr lang="en-US" sz="1800" dirty="0" smtClean="0">
-                <a:solidFill>
-                  <a:schemeClr val="tx1"/>
-                </a:solidFill>
-                <a:latin typeface="Times New Roman" pitchFamily="18" charset="0"/>
-                <a:cs typeface="Times New Roman" pitchFamily="18" charset="0"/>
-              </a:rPr>
-              <a:t> </a:t>
-            </a:r>
-            <a:r>
-              <a:rPr lang="en-US" sz="1800" dirty="0" err="1" smtClean="0">
-                <a:solidFill>
-                  <a:schemeClr val="tx1"/>
-                </a:solidFill>
-                <a:latin typeface="Times New Roman" pitchFamily="18" charset="0"/>
-                <a:cs typeface="Times New Roman" pitchFamily="18" charset="0"/>
-              </a:rPr>
-              <a:t>phức</a:t>
-            </a:r>
-            <a:r>
-              <a:rPr lang="en-US" sz="1800" dirty="0" smtClean="0">
-                <a:solidFill>
-                  <a:schemeClr val="tx1"/>
-                </a:solidFill>
-                <a:latin typeface="Times New Roman" pitchFamily="18" charset="0"/>
-                <a:cs typeface="Times New Roman" pitchFamily="18" charset="0"/>
-              </a:rPr>
-              <a:t> </a:t>
-            </a:r>
-            <a:r>
-              <a:rPr lang="en-US" sz="1800" dirty="0" err="1" smtClean="0">
-                <a:solidFill>
-                  <a:schemeClr val="tx1"/>
-                </a:solidFill>
-                <a:latin typeface="Times New Roman" pitchFamily="18" charset="0"/>
-                <a:cs typeface="Times New Roman" pitchFamily="18" charset="0"/>
-              </a:rPr>
-              <a:t>tạp</a:t>
-            </a:r>
-            <a:r>
-              <a:rPr lang="en-US" sz="1800" dirty="0" smtClean="0">
-                <a:solidFill>
-                  <a:schemeClr val="tx1"/>
-                </a:solidFill>
-                <a:latin typeface="Times New Roman" pitchFamily="18" charset="0"/>
-                <a:cs typeface="Times New Roman" pitchFamily="18" charset="0"/>
-              </a:rPr>
-              <a:t> </a:t>
-            </a:r>
-            <a:r>
-              <a:rPr lang="en-US" sz="1800" dirty="0" err="1" smtClean="0">
-                <a:solidFill>
-                  <a:schemeClr val="tx1"/>
-                </a:solidFill>
-                <a:latin typeface="Times New Roman" pitchFamily="18" charset="0"/>
-                <a:cs typeface="Times New Roman" pitchFamily="18" charset="0"/>
-              </a:rPr>
-              <a:t>hóa</a:t>
-            </a:r>
-            <a:r>
-              <a:rPr lang="en-US" sz="1800" dirty="0" smtClean="0">
-                <a:solidFill>
-                  <a:schemeClr val="tx1"/>
-                </a:solidFill>
-                <a:latin typeface="Times New Roman" pitchFamily="18" charset="0"/>
-                <a:cs typeface="Times New Roman" pitchFamily="18" charset="0"/>
-              </a:rPr>
-              <a:t>, </a:t>
-            </a:r>
-            <a:r>
-              <a:rPr lang="en-US" sz="1800" dirty="0" err="1" smtClean="0">
-                <a:solidFill>
-                  <a:schemeClr val="tx1"/>
-                </a:solidFill>
-                <a:latin typeface="Times New Roman" pitchFamily="18" charset="0"/>
-                <a:cs typeface="Times New Roman" pitchFamily="18" charset="0"/>
-              </a:rPr>
-              <a:t>rối</a:t>
-            </a:r>
-            <a:r>
-              <a:rPr lang="en-US" sz="1800" dirty="0" smtClean="0">
-                <a:solidFill>
-                  <a:schemeClr val="tx1"/>
-                </a:solidFill>
-                <a:latin typeface="Times New Roman" pitchFamily="18" charset="0"/>
-                <a:cs typeface="Times New Roman" pitchFamily="18" charset="0"/>
-              </a:rPr>
-              <a:t> </a:t>
-            </a:r>
-            <a:r>
-              <a:rPr lang="en-US" sz="1800" dirty="0" err="1" smtClean="0">
-                <a:solidFill>
-                  <a:schemeClr val="tx1"/>
-                </a:solidFill>
-                <a:latin typeface="Times New Roman" pitchFamily="18" charset="0"/>
-                <a:cs typeface="Times New Roman" pitchFamily="18" charset="0"/>
-              </a:rPr>
-              <a:t>rắm</a:t>
-            </a:r>
-            <a:r>
-              <a:rPr lang="en-US" sz="1800" dirty="0" smtClean="0">
-                <a:solidFill>
-                  <a:schemeClr val="tx1"/>
-                </a:solidFill>
-                <a:latin typeface="Times New Roman" pitchFamily="18" charset="0"/>
-                <a:cs typeface="Times New Roman" pitchFamily="18" charset="0"/>
-              </a:rPr>
-              <a:t> </a:t>
-            </a:r>
-            <a:r>
-              <a:rPr lang="en-US" sz="1800" dirty="0" err="1" smtClean="0">
-                <a:solidFill>
-                  <a:schemeClr val="tx1"/>
-                </a:solidFill>
-                <a:latin typeface="Times New Roman" pitchFamily="18" charset="0"/>
-                <a:cs typeface="Times New Roman" pitchFamily="18" charset="0"/>
-              </a:rPr>
-              <a:t>hóa</a:t>
-            </a:r>
-            <a:r>
-              <a:rPr lang="en-US" sz="1800" dirty="0" smtClean="0">
-                <a:solidFill>
-                  <a:schemeClr val="tx1"/>
-                </a:solidFill>
-                <a:latin typeface="Times New Roman" pitchFamily="18" charset="0"/>
-                <a:cs typeface="Times New Roman" pitchFamily="18" charset="0"/>
-              </a:rPr>
-              <a:t> </a:t>
-            </a:r>
-            <a:r>
-              <a:rPr lang="en-US" sz="1800" dirty="0" err="1" smtClean="0">
-                <a:solidFill>
-                  <a:schemeClr val="tx1"/>
-                </a:solidFill>
-                <a:latin typeface="Times New Roman" pitchFamily="18" charset="0"/>
-                <a:cs typeface="Times New Roman" pitchFamily="18" charset="0"/>
-              </a:rPr>
-              <a:t>trong</a:t>
-            </a:r>
-            <a:r>
-              <a:rPr lang="en-US" sz="1800" dirty="0" smtClean="0">
-                <a:solidFill>
-                  <a:schemeClr val="tx1"/>
-                </a:solidFill>
-                <a:latin typeface="Times New Roman" pitchFamily="18" charset="0"/>
-                <a:cs typeface="Times New Roman" pitchFamily="18" charset="0"/>
-              </a:rPr>
-              <a:t> </a:t>
-            </a:r>
-            <a:r>
-              <a:rPr lang="en-US" sz="1800" dirty="0" err="1" smtClean="0">
-                <a:solidFill>
-                  <a:schemeClr val="tx1"/>
-                </a:solidFill>
-                <a:latin typeface="Times New Roman" pitchFamily="18" charset="0"/>
-                <a:cs typeface="Times New Roman" pitchFamily="18" charset="0"/>
-              </a:rPr>
-              <a:t>các</a:t>
-            </a:r>
-            <a:r>
-              <a:rPr lang="en-US" sz="1800" dirty="0" smtClean="0">
-                <a:solidFill>
-                  <a:schemeClr val="tx1"/>
-                </a:solidFill>
-                <a:latin typeface="Times New Roman" pitchFamily="18" charset="0"/>
-                <a:cs typeface="Times New Roman" pitchFamily="18" charset="0"/>
-              </a:rPr>
-              <a:t> </a:t>
-            </a:r>
-            <a:r>
-              <a:rPr lang="en-US" sz="1800" dirty="0" err="1" smtClean="0">
-                <a:solidFill>
-                  <a:schemeClr val="tx1"/>
-                </a:solidFill>
-                <a:latin typeface="Times New Roman" pitchFamily="18" charset="0"/>
-                <a:cs typeface="Times New Roman" pitchFamily="18" charset="0"/>
-              </a:rPr>
-              <a:t>hệ</a:t>
-            </a:r>
-            <a:r>
-              <a:rPr lang="en-US" sz="1800" dirty="0" smtClean="0">
-                <a:solidFill>
-                  <a:schemeClr val="tx1"/>
-                </a:solidFill>
-                <a:latin typeface="Times New Roman" pitchFamily="18" charset="0"/>
-                <a:cs typeface="Times New Roman" pitchFamily="18" charset="0"/>
-              </a:rPr>
-              <a:t> </a:t>
-            </a:r>
-            <a:r>
-              <a:rPr lang="en-US" sz="1800" dirty="0" err="1" smtClean="0">
-                <a:solidFill>
-                  <a:schemeClr val="tx1"/>
-                </a:solidFill>
-                <a:latin typeface="Times New Roman" pitchFamily="18" charset="0"/>
-                <a:cs typeface="Times New Roman" pitchFamily="18" charset="0"/>
-              </a:rPr>
-              <a:t>thống</a:t>
-            </a:r>
-            <a:r>
-              <a:rPr lang="en-US" sz="1800" dirty="0" smtClean="0">
-                <a:solidFill>
-                  <a:schemeClr val="tx1"/>
-                </a:solidFill>
-                <a:latin typeface="Times New Roman" pitchFamily="18" charset="0"/>
-                <a:cs typeface="Times New Roman" pitchFamily="18" charset="0"/>
-              </a:rPr>
-              <a:t> </a:t>
-            </a:r>
-            <a:r>
-              <a:rPr lang="en-US" sz="1800" dirty="0" err="1" smtClean="0">
-                <a:solidFill>
-                  <a:schemeClr val="tx1"/>
-                </a:solidFill>
-                <a:latin typeface="Times New Roman" pitchFamily="18" charset="0"/>
-                <a:cs typeface="Times New Roman" pitchFamily="18" charset="0"/>
-              </a:rPr>
-              <a:t>lớn</a:t>
-            </a:r>
-            <a:r>
-              <a:rPr lang="en-US" sz="1800" dirty="0" smtClean="0">
-                <a:solidFill>
-                  <a:schemeClr val="tx1"/>
-                </a:solidFill>
-                <a:latin typeface="Times New Roman" pitchFamily="18" charset="0"/>
-                <a:cs typeface="Times New Roman" pitchFamily="18" charset="0"/>
-              </a:rPr>
-              <a:t>. </a:t>
-            </a:r>
-            <a:r>
-              <a:rPr lang="vi-VN" sz="1800" dirty="0" smtClean="0">
-                <a:solidFill>
-                  <a:schemeClr val="tx1"/>
-                </a:solidFill>
-                <a:latin typeface="Times New Roman" pitchFamily="18" charset="0"/>
-                <a:cs typeface="Times New Roman" pitchFamily="18" charset="0"/>
-              </a:rPr>
-              <a:t>Kiến trúc </a:t>
-            </a:r>
-            <a:r>
-              <a:rPr lang="vi-VN" sz="1800" dirty="0" smtClean="0">
-                <a:solidFill>
-                  <a:schemeClr val="tx1"/>
-                </a:solidFill>
-                <a:latin typeface="Times New Roman" pitchFamily="18" charset="0"/>
-                <a:cs typeface="Times New Roman" pitchFamily="18" charset="0"/>
-              </a:rPr>
-              <a:t>Microservice</a:t>
-            </a:r>
-            <a:r>
-              <a:rPr lang="en-US" sz="1800" dirty="0" smtClean="0">
-                <a:solidFill>
-                  <a:schemeClr val="tx1"/>
-                </a:solidFill>
-                <a:latin typeface="Times New Roman" pitchFamily="18" charset="0"/>
-                <a:cs typeface="Times New Roman" pitchFamily="18" charset="0"/>
-              </a:rPr>
-              <a:t> </a:t>
-            </a:r>
-            <a:r>
-              <a:rPr lang="vi-VN" sz="1800" dirty="0" smtClean="0">
-                <a:solidFill>
-                  <a:schemeClr val="tx1"/>
-                </a:solidFill>
-                <a:latin typeface="Times New Roman" pitchFamily="18" charset="0"/>
-                <a:cs typeface="Times New Roman" pitchFamily="18" charset="0"/>
-              </a:rPr>
-              <a:t>giải </a:t>
-            </a:r>
-            <a:r>
-              <a:rPr lang="vi-VN" sz="1800" dirty="0" smtClean="0">
-                <a:solidFill>
-                  <a:schemeClr val="tx1"/>
-                </a:solidFill>
-                <a:latin typeface="Times New Roman" pitchFamily="18" charset="0"/>
-                <a:cs typeface="Times New Roman" pitchFamily="18" charset="0"/>
-              </a:rPr>
-              <a:t>quyết sự phức tạp thông </a:t>
-            </a:r>
-            <a:r>
-              <a:rPr lang="vi-VN" sz="1800" dirty="0" smtClean="0">
-                <a:solidFill>
-                  <a:schemeClr val="tx1"/>
-                </a:solidFill>
-                <a:latin typeface="Times New Roman" pitchFamily="18" charset="0"/>
-                <a:cs typeface="Times New Roman" pitchFamily="18" charset="0"/>
-              </a:rPr>
-              <a:t>qua</a:t>
-            </a:r>
-            <a:r>
-              <a:rPr lang="en-US" sz="1800" dirty="0" smtClean="0">
-                <a:solidFill>
-                  <a:schemeClr val="tx1"/>
-                </a:solidFill>
-                <a:latin typeface="Times New Roman" pitchFamily="18" charset="0"/>
-                <a:cs typeface="Times New Roman" pitchFamily="18" charset="0"/>
-              </a:rPr>
-              <a:t> </a:t>
-            </a:r>
-            <a:r>
-              <a:rPr lang="vi-VN" sz="1800" dirty="0" smtClean="0">
-                <a:solidFill>
-                  <a:schemeClr val="tx1"/>
-                </a:solidFill>
-                <a:latin typeface="Times New Roman" pitchFamily="18" charset="0"/>
-                <a:cs typeface="Times New Roman" pitchFamily="18" charset="0"/>
-              </a:rPr>
-              <a:t>mô </a:t>
-            </a:r>
-            <a:r>
-              <a:rPr lang="vi-VN" sz="1800" dirty="0" smtClean="0">
-                <a:solidFill>
-                  <a:schemeClr val="tx1"/>
-                </a:solidFill>
-                <a:latin typeface="Times New Roman" pitchFamily="18" charset="0"/>
-                <a:cs typeface="Times New Roman" pitchFamily="18" charset="0"/>
-              </a:rPr>
-              <a:t>đun </a:t>
-            </a:r>
-            <a:r>
-              <a:rPr lang="vi-VN" sz="1800" dirty="0" smtClean="0">
-                <a:solidFill>
-                  <a:schemeClr val="tx1"/>
-                </a:solidFill>
-                <a:latin typeface="Times New Roman" pitchFamily="18" charset="0"/>
-                <a:cs typeface="Times New Roman" pitchFamily="18" charset="0"/>
-              </a:rPr>
-              <a:t>hóa</a:t>
-            </a:r>
-            <a:r>
-              <a:rPr lang="en-US" sz="1800" smtClean="0">
-                <a:solidFill>
-                  <a:schemeClr val="tx1"/>
-                </a:solidFill>
-                <a:latin typeface="Times New Roman" pitchFamily="18" charset="0"/>
-                <a:cs typeface="Times New Roman" pitchFamily="18" charset="0"/>
-              </a:rPr>
-              <a:t>.</a:t>
-            </a:r>
-            <a:endParaRPr lang="en-US" sz="1800" dirty="0" smtClean="0">
-              <a:solidFill>
-                <a:schemeClr val="tx1"/>
-              </a:solidFill>
-              <a:latin typeface="Times New Roman" pitchFamily="18" charset="0"/>
-              <a:cs typeface="Times New Roman" pitchFamily="18" charset="0"/>
-            </a:endParaRPr>
-          </a:p>
-          <a:p>
-            <a:pPr lvl="0" algn="just">
-              <a:buFontTx/>
-              <a:buChar char="-"/>
-            </a:pPr>
-            <a:r>
-              <a:rPr lang="en-US" sz="1800" dirty="0" smtClean="0">
-                <a:solidFill>
-                  <a:schemeClr val="tx1"/>
-                </a:solidFill>
-                <a:latin typeface="Times New Roman" pitchFamily="18" charset="0"/>
-                <a:cs typeface="Times New Roman" pitchFamily="18" charset="0"/>
-              </a:rPr>
-              <a:t> Cho </a:t>
-            </a:r>
-            <a:r>
-              <a:rPr lang="en-US" sz="1800" dirty="0" err="1" smtClean="0">
-                <a:solidFill>
-                  <a:schemeClr val="tx1"/>
-                </a:solidFill>
-                <a:latin typeface="Times New Roman" pitchFamily="18" charset="0"/>
-                <a:cs typeface="Times New Roman" pitchFamily="18" charset="0"/>
-              </a:rPr>
-              <a:t>phép</a:t>
-            </a:r>
-            <a:r>
-              <a:rPr lang="en-US" sz="1800" dirty="0" smtClean="0">
-                <a:solidFill>
-                  <a:schemeClr val="tx1"/>
-                </a:solidFill>
-                <a:latin typeface="Times New Roman" pitchFamily="18" charset="0"/>
-                <a:cs typeface="Times New Roman" pitchFamily="18" charset="0"/>
-              </a:rPr>
-              <a:t> </a:t>
-            </a:r>
-            <a:r>
-              <a:rPr lang="en-US" sz="1800" dirty="0" err="1" smtClean="0">
-                <a:solidFill>
-                  <a:schemeClr val="tx1"/>
-                </a:solidFill>
-                <a:latin typeface="Times New Roman" pitchFamily="18" charset="0"/>
-                <a:cs typeface="Times New Roman" pitchFamily="18" charset="0"/>
-              </a:rPr>
-              <a:t>mỗi</a:t>
-            </a:r>
-            <a:r>
-              <a:rPr lang="en-US" sz="1800" dirty="0" smtClean="0">
-                <a:solidFill>
-                  <a:schemeClr val="tx1"/>
-                </a:solidFill>
-                <a:latin typeface="Times New Roman" pitchFamily="18" charset="0"/>
-                <a:cs typeface="Times New Roman" pitchFamily="18" charset="0"/>
-              </a:rPr>
-              <a:t> service </a:t>
-            </a:r>
-            <a:r>
-              <a:rPr lang="en-US" sz="1800" dirty="0" err="1" smtClean="0">
-                <a:solidFill>
-                  <a:schemeClr val="tx1"/>
-                </a:solidFill>
-                <a:latin typeface="Times New Roman" pitchFamily="18" charset="0"/>
-                <a:cs typeface="Times New Roman" pitchFamily="18" charset="0"/>
-              </a:rPr>
-              <a:t>phát</a:t>
-            </a:r>
-            <a:r>
-              <a:rPr lang="en-US" sz="1800" dirty="0" smtClean="0">
-                <a:solidFill>
-                  <a:schemeClr val="tx1"/>
-                </a:solidFill>
-                <a:latin typeface="Times New Roman" pitchFamily="18" charset="0"/>
-                <a:cs typeface="Times New Roman" pitchFamily="18" charset="0"/>
-              </a:rPr>
-              <a:t> </a:t>
-            </a:r>
-            <a:r>
-              <a:rPr lang="en-US" sz="1800" dirty="0" err="1" smtClean="0">
-                <a:solidFill>
-                  <a:schemeClr val="tx1"/>
-                </a:solidFill>
-                <a:latin typeface="Times New Roman" pitchFamily="18" charset="0"/>
-                <a:cs typeface="Times New Roman" pitchFamily="18" charset="0"/>
-              </a:rPr>
-              <a:t>triển</a:t>
-            </a:r>
-            <a:r>
-              <a:rPr lang="en-US" sz="1800" dirty="0" smtClean="0">
-                <a:solidFill>
-                  <a:schemeClr val="tx1"/>
-                </a:solidFill>
-                <a:latin typeface="Times New Roman" pitchFamily="18" charset="0"/>
-                <a:cs typeface="Times New Roman" pitchFamily="18" charset="0"/>
-              </a:rPr>
-              <a:t>, </a:t>
-            </a:r>
-            <a:r>
-              <a:rPr lang="en-US" sz="1800" dirty="0" err="1" smtClean="0">
-                <a:solidFill>
-                  <a:schemeClr val="tx1"/>
-                </a:solidFill>
-                <a:latin typeface="Times New Roman" pitchFamily="18" charset="0"/>
-                <a:cs typeface="Times New Roman" pitchFamily="18" charset="0"/>
-              </a:rPr>
-              <a:t>đóng</a:t>
-            </a:r>
-            <a:r>
-              <a:rPr lang="en-US" sz="1800" dirty="0" smtClean="0">
-                <a:solidFill>
-                  <a:schemeClr val="tx1"/>
-                </a:solidFill>
-                <a:latin typeface="Times New Roman" pitchFamily="18" charset="0"/>
-                <a:cs typeface="Times New Roman" pitchFamily="18" charset="0"/>
-              </a:rPr>
-              <a:t> </a:t>
-            </a:r>
-            <a:r>
-              <a:rPr lang="en-US" sz="1800" dirty="0" err="1" smtClean="0">
-                <a:solidFill>
-                  <a:schemeClr val="tx1"/>
-                </a:solidFill>
-                <a:latin typeface="Times New Roman" pitchFamily="18" charset="0"/>
-                <a:cs typeface="Times New Roman" pitchFamily="18" charset="0"/>
-              </a:rPr>
-              <a:t>gói</a:t>
-            </a:r>
-            <a:r>
-              <a:rPr lang="en-US" sz="1800" dirty="0" smtClean="0">
-                <a:solidFill>
-                  <a:schemeClr val="tx1"/>
-                </a:solidFill>
-                <a:latin typeface="Times New Roman" pitchFamily="18" charset="0"/>
-                <a:cs typeface="Times New Roman" pitchFamily="18" charset="0"/>
-              </a:rPr>
-              <a:t>, </a:t>
-            </a:r>
-            <a:r>
-              <a:rPr lang="en-US" sz="1800" dirty="0" err="1" smtClean="0">
-                <a:solidFill>
-                  <a:schemeClr val="tx1"/>
-                </a:solidFill>
-                <a:latin typeface="Times New Roman" pitchFamily="18" charset="0"/>
-                <a:cs typeface="Times New Roman" pitchFamily="18" charset="0"/>
-              </a:rPr>
-              <a:t>triển</a:t>
-            </a:r>
-            <a:r>
-              <a:rPr lang="en-US" sz="1800" dirty="0" smtClean="0">
-                <a:solidFill>
-                  <a:schemeClr val="tx1"/>
-                </a:solidFill>
-                <a:latin typeface="Times New Roman" pitchFamily="18" charset="0"/>
-                <a:cs typeface="Times New Roman" pitchFamily="18" charset="0"/>
-              </a:rPr>
-              <a:t> </a:t>
-            </a:r>
-            <a:r>
-              <a:rPr lang="en-US" sz="1800" dirty="0" err="1" smtClean="0">
-                <a:solidFill>
-                  <a:schemeClr val="tx1"/>
-                </a:solidFill>
-                <a:latin typeface="Times New Roman" pitchFamily="18" charset="0"/>
-                <a:cs typeface="Times New Roman" pitchFamily="18" charset="0"/>
-              </a:rPr>
-              <a:t>khai</a:t>
-            </a:r>
-            <a:r>
-              <a:rPr lang="en-US" sz="1800" dirty="0" smtClean="0">
-                <a:solidFill>
-                  <a:schemeClr val="tx1"/>
-                </a:solidFill>
-                <a:latin typeface="Times New Roman" pitchFamily="18" charset="0"/>
-                <a:cs typeface="Times New Roman" pitchFamily="18" charset="0"/>
-              </a:rPr>
-              <a:t> </a:t>
-            </a:r>
-            <a:r>
-              <a:rPr lang="en-US" sz="1800" dirty="0" err="1" smtClean="0">
-                <a:solidFill>
-                  <a:schemeClr val="tx1"/>
-                </a:solidFill>
-                <a:latin typeface="Times New Roman" pitchFamily="18" charset="0"/>
-                <a:cs typeface="Times New Roman" pitchFamily="18" charset="0"/>
-              </a:rPr>
-              <a:t>và</a:t>
-            </a:r>
-            <a:r>
-              <a:rPr lang="en-US" sz="1800" dirty="0" smtClean="0">
-                <a:solidFill>
-                  <a:schemeClr val="tx1"/>
-                </a:solidFill>
-                <a:latin typeface="Times New Roman" pitchFamily="18" charset="0"/>
-                <a:cs typeface="Times New Roman" pitchFamily="18" charset="0"/>
-              </a:rPr>
-              <a:t> </a:t>
-            </a:r>
-            <a:r>
-              <a:rPr lang="en-US" sz="1800" dirty="0" err="1" smtClean="0">
-                <a:solidFill>
-                  <a:schemeClr val="tx1"/>
-                </a:solidFill>
-                <a:latin typeface="Times New Roman" pitchFamily="18" charset="0"/>
-                <a:cs typeface="Times New Roman" pitchFamily="18" charset="0"/>
-              </a:rPr>
-              <a:t>mở</a:t>
-            </a:r>
-            <a:r>
-              <a:rPr lang="en-US" sz="1800" dirty="0" smtClean="0">
-                <a:solidFill>
-                  <a:schemeClr val="tx1"/>
-                </a:solidFill>
-                <a:latin typeface="Times New Roman" pitchFamily="18" charset="0"/>
-                <a:cs typeface="Times New Roman" pitchFamily="18" charset="0"/>
-              </a:rPr>
-              <a:t> </a:t>
-            </a:r>
-            <a:r>
-              <a:rPr lang="en-US" sz="1800" dirty="0" err="1" smtClean="0">
-                <a:solidFill>
-                  <a:schemeClr val="tx1"/>
-                </a:solidFill>
-                <a:latin typeface="Times New Roman" pitchFamily="18" charset="0"/>
-                <a:cs typeface="Times New Roman" pitchFamily="18" charset="0"/>
-              </a:rPr>
-              <a:t>rộng</a:t>
-            </a:r>
-            <a:r>
-              <a:rPr lang="en-US" sz="1800" dirty="0" smtClean="0">
-                <a:solidFill>
-                  <a:schemeClr val="tx1"/>
-                </a:solidFill>
-                <a:latin typeface="Times New Roman" pitchFamily="18" charset="0"/>
-                <a:cs typeface="Times New Roman" pitchFamily="18" charset="0"/>
-              </a:rPr>
-              <a:t> </a:t>
-            </a:r>
-            <a:r>
-              <a:rPr lang="en-US" sz="1800" dirty="0" err="1" smtClean="0">
-                <a:solidFill>
-                  <a:schemeClr val="tx1"/>
-                </a:solidFill>
-                <a:latin typeface="Times New Roman" pitchFamily="18" charset="0"/>
-                <a:cs typeface="Times New Roman" pitchFamily="18" charset="0"/>
-              </a:rPr>
-              <a:t>quy</a:t>
-            </a:r>
-            <a:r>
-              <a:rPr lang="en-US" sz="1800" dirty="0" smtClean="0">
-                <a:solidFill>
-                  <a:schemeClr val="tx1"/>
-                </a:solidFill>
-                <a:latin typeface="Times New Roman" pitchFamily="18" charset="0"/>
-                <a:cs typeface="Times New Roman" pitchFamily="18" charset="0"/>
-              </a:rPr>
-              <a:t> </a:t>
-            </a:r>
-            <a:r>
-              <a:rPr lang="en-US" sz="1800" dirty="0" err="1" smtClean="0">
-                <a:solidFill>
-                  <a:schemeClr val="tx1"/>
-                </a:solidFill>
-                <a:latin typeface="Times New Roman" pitchFamily="18" charset="0"/>
-                <a:cs typeface="Times New Roman" pitchFamily="18" charset="0"/>
-              </a:rPr>
-              <a:t>mô</a:t>
-            </a:r>
-            <a:r>
-              <a:rPr lang="en-US" sz="1800" dirty="0" smtClean="0">
-                <a:solidFill>
-                  <a:schemeClr val="tx1"/>
-                </a:solidFill>
-                <a:latin typeface="Times New Roman" pitchFamily="18" charset="0"/>
-                <a:cs typeface="Times New Roman" pitchFamily="18" charset="0"/>
-              </a:rPr>
-              <a:t> </a:t>
-            </a:r>
-            <a:r>
-              <a:rPr lang="en-US" sz="1800" dirty="0" err="1" smtClean="0">
-                <a:solidFill>
-                  <a:schemeClr val="tx1"/>
-                </a:solidFill>
-                <a:latin typeface="Times New Roman" pitchFamily="18" charset="0"/>
-                <a:cs typeface="Times New Roman" pitchFamily="18" charset="0"/>
-              </a:rPr>
-              <a:t>một</a:t>
-            </a:r>
-            <a:r>
-              <a:rPr lang="en-US" sz="1800" dirty="0" smtClean="0">
-                <a:solidFill>
-                  <a:schemeClr val="tx1"/>
-                </a:solidFill>
-                <a:latin typeface="Times New Roman" pitchFamily="18" charset="0"/>
-                <a:cs typeface="Times New Roman" pitchFamily="18" charset="0"/>
-              </a:rPr>
-              <a:t> </a:t>
-            </a:r>
-            <a:r>
-              <a:rPr lang="en-US" sz="1800" dirty="0" err="1" smtClean="0">
-                <a:solidFill>
-                  <a:schemeClr val="tx1"/>
-                </a:solidFill>
-                <a:latin typeface="Times New Roman" pitchFamily="18" charset="0"/>
-                <a:cs typeface="Times New Roman" pitchFamily="18" charset="0"/>
-              </a:rPr>
-              <a:t>cách</a:t>
-            </a:r>
-            <a:r>
-              <a:rPr lang="en-US" sz="1800" dirty="0" smtClean="0">
-                <a:solidFill>
-                  <a:schemeClr val="tx1"/>
-                </a:solidFill>
-                <a:latin typeface="Times New Roman" pitchFamily="18" charset="0"/>
-                <a:cs typeface="Times New Roman" pitchFamily="18" charset="0"/>
-              </a:rPr>
-              <a:t> </a:t>
-            </a:r>
-            <a:r>
-              <a:rPr lang="en-US" sz="1800" dirty="0" err="1" smtClean="0">
-                <a:solidFill>
-                  <a:schemeClr val="tx1"/>
-                </a:solidFill>
-                <a:latin typeface="Times New Roman" pitchFamily="18" charset="0"/>
-                <a:cs typeface="Times New Roman" pitchFamily="18" charset="0"/>
-              </a:rPr>
-              <a:t>dễ</a:t>
-            </a:r>
-            <a:r>
-              <a:rPr lang="en-US" sz="1800" dirty="0" smtClean="0">
-                <a:solidFill>
-                  <a:schemeClr val="tx1"/>
-                </a:solidFill>
-                <a:latin typeface="Times New Roman" pitchFamily="18" charset="0"/>
-                <a:cs typeface="Times New Roman" pitchFamily="18" charset="0"/>
-              </a:rPr>
-              <a:t> </a:t>
-            </a:r>
-            <a:r>
-              <a:rPr lang="en-US" sz="1800" dirty="0" err="1" smtClean="0">
-                <a:solidFill>
-                  <a:schemeClr val="tx1"/>
-                </a:solidFill>
-                <a:latin typeface="Times New Roman" pitchFamily="18" charset="0"/>
-                <a:cs typeface="Times New Roman" pitchFamily="18" charset="0"/>
-              </a:rPr>
-              <a:t>dàng</a:t>
-            </a:r>
-            <a:r>
-              <a:rPr lang="en-US" sz="1800" dirty="0" smtClean="0">
-                <a:solidFill>
-                  <a:schemeClr val="tx1"/>
-                </a:solidFill>
-                <a:latin typeface="Times New Roman" pitchFamily="18" charset="0"/>
-                <a:cs typeface="Times New Roman" pitchFamily="18" charset="0"/>
-              </a:rPr>
-              <a:t>, </a:t>
-            </a:r>
-            <a:r>
-              <a:rPr lang="en-US" sz="1800" dirty="0" err="1" smtClean="0">
-                <a:solidFill>
-                  <a:schemeClr val="tx1"/>
-                </a:solidFill>
-                <a:latin typeface="Times New Roman" pitchFamily="18" charset="0"/>
-                <a:cs typeface="Times New Roman" pitchFamily="18" charset="0"/>
-              </a:rPr>
-              <a:t>độc</a:t>
-            </a:r>
-            <a:r>
-              <a:rPr lang="en-US" sz="1800" dirty="0" smtClean="0">
-                <a:solidFill>
-                  <a:schemeClr val="tx1"/>
-                </a:solidFill>
-                <a:latin typeface="Times New Roman" pitchFamily="18" charset="0"/>
-                <a:cs typeface="Times New Roman" pitchFamily="18" charset="0"/>
-              </a:rPr>
-              <a:t> </a:t>
-            </a:r>
-            <a:r>
-              <a:rPr lang="en-US" sz="1800" dirty="0" err="1" smtClean="0">
-                <a:solidFill>
-                  <a:schemeClr val="tx1"/>
-                </a:solidFill>
-                <a:latin typeface="Times New Roman" pitchFamily="18" charset="0"/>
-                <a:cs typeface="Times New Roman" pitchFamily="18" charset="0"/>
-              </a:rPr>
-              <a:t>lập</a:t>
-            </a:r>
-            <a:r>
-              <a:rPr lang="en-US" sz="1800" dirty="0" smtClean="0">
-                <a:solidFill>
-                  <a:schemeClr val="tx1"/>
-                </a:solidFill>
-                <a:latin typeface="Times New Roman" pitchFamily="18" charset="0"/>
-                <a:cs typeface="Times New Roman" pitchFamily="18" charset="0"/>
-              </a:rPr>
-              <a:t>.</a:t>
-            </a:r>
-          </a:p>
-          <a:p>
-            <a:pPr lvl="0" algn="just"/>
-            <a:r>
-              <a:rPr lang="en-US" sz="1800" dirty="0" smtClean="0">
-                <a:solidFill>
-                  <a:schemeClr val="tx1"/>
-                </a:solidFill>
-                <a:latin typeface="Times New Roman" pitchFamily="18" charset="0"/>
-                <a:cs typeface="Times New Roman" pitchFamily="18" charset="0"/>
-              </a:rPr>
-              <a:t>- </a:t>
-            </a:r>
-            <a:r>
-              <a:rPr lang="en-US" sz="1800" dirty="0" err="1" smtClean="0">
-                <a:solidFill>
-                  <a:schemeClr val="tx1"/>
-                </a:solidFill>
-                <a:latin typeface="Times New Roman" pitchFamily="18" charset="0"/>
-                <a:cs typeface="Times New Roman" pitchFamily="18" charset="0"/>
-              </a:rPr>
-              <a:t>Mỗi</a:t>
-            </a:r>
-            <a:r>
-              <a:rPr lang="en-US" sz="1800" dirty="0" smtClean="0">
-                <a:solidFill>
-                  <a:schemeClr val="tx1"/>
-                </a:solidFill>
-                <a:latin typeface="Times New Roman" pitchFamily="18" charset="0"/>
-                <a:cs typeface="Times New Roman" pitchFamily="18" charset="0"/>
-              </a:rPr>
-              <a:t> </a:t>
-            </a:r>
-            <a:r>
-              <a:rPr lang="en-US" sz="1800" dirty="0" err="1" smtClean="0">
-                <a:solidFill>
-                  <a:schemeClr val="tx1"/>
-                </a:solidFill>
-                <a:latin typeface="Times New Roman" pitchFamily="18" charset="0"/>
-                <a:cs typeface="Times New Roman" pitchFamily="18" charset="0"/>
-              </a:rPr>
-              <a:t>microservice</a:t>
-            </a:r>
-            <a:r>
-              <a:rPr lang="en-US" sz="1800" dirty="0" smtClean="0">
-                <a:solidFill>
-                  <a:schemeClr val="tx1"/>
-                </a:solidFill>
-                <a:latin typeface="Times New Roman" pitchFamily="18" charset="0"/>
-                <a:cs typeface="Times New Roman" pitchFamily="18" charset="0"/>
-              </a:rPr>
-              <a:t> </a:t>
-            </a:r>
-            <a:r>
-              <a:rPr lang="en-US" sz="1800" dirty="0" err="1" smtClean="0">
-                <a:solidFill>
-                  <a:schemeClr val="tx1"/>
-                </a:solidFill>
-                <a:latin typeface="Times New Roman" pitchFamily="18" charset="0"/>
-                <a:cs typeface="Times New Roman" pitchFamily="18" charset="0"/>
-              </a:rPr>
-              <a:t>cho</a:t>
-            </a:r>
-            <a:r>
-              <a:rPr lang="en-US" sz="1800" dirty="0" smtClean="0">
-                <a:solidFill>
-                  <a:schemeClr val="tx1"/>
-                </a:solidFill>
-                <a:latin typeface="Times New Roman" pitchFamily="18" charset="0"/>
-                <a:cs typeface="Times New Roman" pitchFamily="18" charset="0"/>
-              </a:rPr>
-              <a:t> </a:t>
-            </a:r>
-            <a:r>
-              <a:rPr lang="en-US" sz="1800" dirty="0" err="1" smtClean="0">
-                <a:solidFill>
-                  <a:schemeClr val="tx1"/>
-                </a:solidFill>
-                <a:latin typeface="Times New Roman" pitchFamily="18" charset="0"/>
-                <a:cs typeface="Times New Roman" pitchFamily="18" charset="0"/>
-              </a:rPr>
-              <a:t>phép</a:t>
-            </a:r>
-            <a:r>
-              <a:rPr lang="en-US" sz="1800" dirty="0" smtClean="0">
-                <a:solidFill>
-                  <a:schemeClr val="tx1"/>
-                </a:solidFill>
-                <a:latin typeface="Times New Roman" pitchFamily="18" charset="0"/>
-                <a:cs typeface="Times New Roman" pitchFamily="18" charset="0"/>
-              </a:rPr>
-              <a:t> </a:t>
-            </a:r>
-            <a:r>
-              <a:rPr lang="en-US" sz="1800" dirty="0" err="1" smtClean="0">
-                <a:solidFill>
-                  <a:schemeClr val="tx1"/>
-                </a:solidFill>
-                <a:latin typeface="Times New Roman" pitchFamily="18" charset="0"/>
-                <a:cs typeface="Times New Roman" pitchFamily="18" charset="0"/>
-              </a:rPr>
-              <a:t>lựa</a:t>
-            </a:r>
-            <a:r>
-              <a:rPr lang="en-US" sz="1800" dirty="0" smtClean="0">
-                <a:solidFill>
-                  <a:schemeClr val="tx1"/>
-                </a:solidFill>
-                <a:latin typeface="Times New Roman" pitchFamily="18" charset="0"/>
-                <a:cs typeface="Times New Roman" pitchFamily="18" charset="0"/>
-              </a:rPr>
-              <a:t> </a:t>
-            </a:r>
-            <a:r>
-              <a:rPr lang="en-US" sz="1800" dirty="0" err="1" smtClean="0">
-                <a:solidFill>
-                  <a:schemeClr val="tx1"/>
-                </a:solidFill>
-                <a:latin typeface="Times New Roman" pitchFamily="18" charset="0"/>
-                <a:cs typeface="Times New Roman" pitchFamily="18" charset="0"/>
-              </a:rPr>
-              <a:t>chọn</a:t>
-            </a:r>
-            <a:r>
-              <a:rPr lang="en-US" sz="1800" dirty="0" smtClean="0">
-                <a:solidFill>
-                  <a:schemeClr val="tx1"/>
-                </a:solidFill>
-                <a:latin typeface="Times New Roman" pitchFamily="18" charset="0"/>
-                <a:cs typeface="Times New Roman" pitchFamily="18" charset="0"/>
-              </a:rPr>
-              <a:t> </a:t>
-            </a:r>
-            <a:r>
-              <a:rPr lang="en-US" sz="1800" dirty="0" err="1" smtClean="0">
-                <a:solidFill>
-                  <a:schemeClr val="tx1"/>
-                </a:solidFill>
-                <a:latin typeface="Times New Roman" pitchFamily="18" charset="0"/>
-                <a:cs typeface="Times New Roman" pitchFamily="18" charset="0"/>
-              </a:rPr>
-              <a:t>công</a:t>
-            </a:r>
-            <a:r>
-              <a:rPr lang="en-US" sz="1800" dirty="0" smtClean="0">
-                <a:solidFill>
-                  <a:schemeClr val="tx1"/>
-                </a:solidFill>
-                <a:latin typeface="Times New Roman" pitchFamily="18" charset="0"/>
-                <a:cs typeface="Times New Roman" pitchFamily="18" charset="0"/>
-              </a:rPr>
-              <a:t> </a:t>
-            </a:r>
-            <a:r>
-              <a:rPr lang="en-US" sz="1800" dirty="0" err="1" smtClean="0">
-                <a:solidFill>
-                  <a:schemeClr val="tx1"/>
-                </a:solidFill>
-                <a:latin typeface="Times New Roman" pitchFamily="18" charset="0"/>
-                <a:cs typeface="Times New Roman" pitchFamily="18" charset="0"/>
-              </a:rPr>
-              <a:t>nghệ</a:t>
-            </a:r>
-            <a:r>
-              <a:rPr lang="en-US" sz="1800" dirty="0" smtClean="0">
-                <a:solidFill>
-                  <a:schemeClr val="tx1"/>
-                </a:solidFill>
-                <a:latin typeface="Times New Roman" pitchFamily="18" charset="0"/>
-                <a:cs typeface="Times New Roman" pitchFamily="18" charset="0"/>
-              </a:rPr>
-              <a:t> </a:t>
-            </a:r>
-            <a:r>
-              <a:rPr lang="en-US" sz="1800" dirty="0" err="1" smtClean="0">
-                <a:solidFill>
-                  <a:schemeClr val="tx1"/>
-                </a:solidFill>
-                <a:latin typeface="Times New Roman" pitchFamily="18" charset="0"/>
-                <a:cs typeface="Times New Roman" pitchFamily="18" charset="0"/>
-              </a:rPr>
-              <a:t>thích</a:t>
-            </a:r>
-            <a:r>
-              <a:rPr lang="en-US" sz="1800" dirty="0" smtClean="0">
-                <a:solidFill>
-                  <a:schemeClr val="tx1"/>
-                </a:solidFill>
-                <a:latin typeface="Times New Roman" pitchFamily="18" charset="0"/>
-                <a:cs typeface="Times New Roman" pitchFamily="18" charset="0"/>
-              </a:rPr>
-              <a:t> </a:t>
-            </a:r>
-            <a:r>
-              <a:rPr lang="en-US" sz="1800" dirty="0" err="1" smtClean="0">
-                <a:solidFill>
-                  <a:schemeClr val="tx1"/>
-                </a:solidFill>
-                <a:latin typeface="Times New Roman" pitchFamily="18" charset="0"/>
-                <a:cs typeface="Times New Roman" pitchFamily="18" charset="0"/>
-              </a:rPr>
-              <a:t>hợp</a:t>
-            </a:r>
-            <a:r>
-              <a:rPr lang="en-US" sz="1800" dirty="0" smtClean="0">
-                <a:solidFill>
-                  <a:schemeClr val="tx1"/>
-                </a:solidFill>
-                <a:latin typeface="Times New Roman" pitchFamily="18" charset="0"/>
-                <a:cs typeface="Times New Roman" pitchFamily="18" charset="0"/>
-              </a:rPr>
-              <a:t>, </a:t>
-            </a:r>
-            <a:r>
-              <a:rPr lang="en-US" sz="1800" dirty="0" err="1" smtClean="0">
-                <a:solidFill>
-                  <a:schemeClr val="tx1"/>
-                </a:solidFill>
-                <a:latin typeface="Times New Roman" pitchFamily="18" charset="0"/>
-                <a:cs typeface="Times New Roman" pitchFamily="18" charset="0"/>
-              </a:rPr>
-              <a:t>tiết</a:t>
-            </a:r>
-            <a:r>
-              <a:rPr lang="en-US" sz="1800" dirty="0" smtClean="0">
-                <a:solidFill>
-                  <a:schemeClr val="tx1"/>
-                </a:solidFill>
-                <a:latin typeface="Times New Roman" pitchFamily="18" charset="0"/>
-                <a:cs typeface="Times New Roman" pitchFamily="18" charset="0"/>
-              </a:rPr>
-              <a:t> </a:t>
-            </a:r>
-            <a:r>
-              <a:rPr lang="en-US" sz="1800" dirty="0" err="1" smtClean="0">
-                <a:solidFill>
-                  <a:schemeClr val="tx1"/>
-                </a:solidFill>
-                <a:latin typeface="Times New Roman" pitchFamily="18" charset="0"/>
-                <a:cs typeface="Times New Roman" pitchFamily="18" charset="0"/>
-              </a:rPr>
-              <a:t>kiệm</a:t>
-            </a:r>
-            <a:r>
-              <a:rPr lang="en-US" sz="1800" dirty="0" smtClean="0">
-                <a:solidFill>
-                  <a:schemeClr val="tx1"/>
-                </a:solidFill>
-                <a:latin typeface="Times New Roman" pitchFamily="18" charset="0"/>
-                <a:cs typeface="Times New Roman" pitchFamily="18" charset="0"/>
-              </a:rPr>
-              <a:t> chi </a:t>
-            </a:r>
-            <a:r>
-              <a:rPr lang="en-US" sz="1800" dirty="0" err="1" smtClean="0">
-                <a:solidFill>
-                  <a:schemeClr val="tx1"/>
-                </a:solidFill>
-                <a:latin typeface="Times New Roman" pitchFamily="18" charset="0"/>
-                <a:cs typeface="Times New Roman" pitchFamily="18" charset="0"/>
-              </a:rPr>
-              <a:t>phí</a:t>
-            </a:r>
-            <a:r>
-              <a:rPr lang="en-US" sz="1800" dirty="0" smtClean="0">
-                <a:solidFill>
-                  <a:schemeClr val="tx1"/>
-                </a:solidFill>
-                <a:latin typeface="Times New Roman" pitchFamily="18" charset="0"/>
-                <a:cs typeface="Times New Roman" pitchFamily="18" charset="0"/>
-              </a:rPr>
-              <a:t> </a:t>
-            </a:r>
-            <a:r>
-              <a:rPr lang="en-US" sz="1800" dirty="0" err="1" smtClean="0">
-                <a:solidFill>
-                  <a:schemeClr val="tx1"/>
-                </a:solidFill>
-                <a:latin typeface="Times New Roman" pitchFamily="18" charset="0"/>
-                <a:cs typeface="Times New Roman" pitchFamily="18" charset="0"/>
-              </a:rPr>
-              <a:t>phát</a:t>
-            </a:r>
-            <a:r>
-              <a:rPr lang="en-US" sz="1800" dirty="0" smtClean="0">
-                <a:solidFill>
-                  <a:schemeClr val="tx1"/>
-                </a:solidFill>
-                <a:latin typeface="Times New Roman" pitchFamily="18" charset="0"/>
-                <a:cs typeface="Times New Roman" pitchFamily="18" charset="0"/>
-              </a:rPr>
-              <a:t> </a:t>
-            </a:r>
-            <a:r>
-              <a:rPr lang="en-US" sz="1800" dirty="0" err="1" smtClean="0">
-                <a:solidFill>
-                  <a:schemeClr val="tx1"/>
-                </a:solidFill>
-                <a:latin typeface="Times New Roman" pitchFamily="18" charset="0"/>
-                <a:cs typeface="Times New Roman" pitchFamily="18" charset="0"/>
-              </a:rPr>
-              <a:t>triển</a:t>
-            </a:r>
-            <a:r>
-              <a:rPr lang="en-US" sz="1800" dirty="0" smtClean="0">
-                <a:solidFill>
-                  <a:schemeClr val="tx1"/>
-                </a:solidFill>
-                <a:latin typeface="Times New Roman" pitchFamily="18" charset="0"/>
-                <a:cs typeface="Times New Roman" pitchFamily="18" charset="0"/>
-              </a:rPr>
-              <a:t>, </a:t>
-            </a:r>
-            <a:r>
-              <a:rPr lang="en-US" sz="1800" dirty="0" err="1" smtClean="0">
-                <a:solidFill>
-                  <a:schemeClr val="tx1"/>
-                </a:solidFill>
-                <a:latin typeface="Times New Roman" pitchFamily="18" charset="0"/>
-                <a:cs typeface="Times New Roman" pitchFamily="18" charset="0"/>
-              </a:rPr>
-              <a:t>đóng</a:t>
-            </a:r>
-            <a:r>
-              <a:rPr lang="en-US" sz="1800" dirty="0" smtClean="0">
-                <a:solidFill>
-                  <a:schemeClr val="tx1"/>
-                </a:solidFill>
-                <a:latin typeface="Times New Roman" pitchFamily="18" charset="0"/>
-                <a:cs typeface="Times New Roman" pitchFamily="18" charset="0"/>
-              </a:rPr>
-              <a:t> </a:t>
-            </a:r>
-            <a:r>
-              <a:rPr lang="en-US" sz="1800" dirty="0" err="1" smtClean="0">
-                <a:solidFill>
-                  <a:schemeClr val="tx1"/>
-                </a:solidFill>
-                <a:latin typeface="Times New Roman" pitchFamily="18" charset="0"/>
-                <a:cs typeface="Times New Roman" pitchFamily="18" charset="0"/>
-              </a:rPr>
-              <a:t>gói</a:t>
-            </a:r>
-            <a:r>
-              <a:rPr lang="en-US" sz="1800" dirty="0" smtClean="0">
-                <a:solidFill>
-                  <a:schemeClr val="tx1"/>
-                </a:solidFill>
-                <a:latin typeface="Times New Roman" pitchFamily="18" charset="0"/>
-                <a:cs typeface="Times New Roman" pitchFamily="18" charset="0"/>
-              </a:rPr>
-              <a:t> &amp; </a:t>
-            </a:r>
-            <a:r>
-              <a:rPr lang="en-US" sz="1800" dirty="0" err="1" smtClean="0">
-                <a:solidFill>
-                  <a:schemeClr val="tx1"/>
-                </a:solidFill>
-                <a:latin typeface="Times New Roman" pitchFamily="18" charset="0"/>
-                <a:cs typeface="Times New Roman" pitchFamily="18" charset="0"/>
-              </a:rPr>
-              <a:t>triển</a:t>
-            </a:r>
-            <a:r>
-              <a:rPr lang="en-US" sz="1800" dirty="0" smtClean="0">
-                <a:solidFill>
-                  <a:schemeClr val="tx1"/>
-                </a:solidFill>
-                <a:latin typeface="Times New Roman" pitchFamily="18" charset="0"/>
-                <a:cs typeface="Times New Roman" pitchFamily="18" charset="0"/>
-              </a:rPr>
-              <a:t> </a:t>
-            </a:r>
-            <a:r>
-              <a:rPr lang="en-US" sz="1800" dirty="0" err="1" smtClean="0">
-                <a:solidFill>
-                  <a:schemeClr val="tx1"/>
-                </a:solidFill>
-                <a:latin typeface="Times New Roman" pitchFamily="18" charset="0"/>
-                <a:cs typeface="Times New Roman" pitchFamily="18" charset="0"/>
-              </a:rPr>
-              <a:t>khai</a:t>
-            </a:r>
-            <a:r>
-              <a:rPr lang="en-US" sz="1800" dirty="0" smtClean="0">
-                <a:solidFill>
-                  <a:schemeClr val="tx1"/>
-                </a:solidFill>
-                <a:latin typeface="Times New Roman" pitchFamily="18" charset="0"/>
-                <a:cs typeface="Times New Roman" pitchFamily="18" charset="0"/>
-              </a:rPr>
-              <a:t>.</a:t>
-            </a:r>
-          </a:p>
-          <a:p>
-            <a:pPr algn="just"/>
-            <a:endParaRPr lang="en-US" sz="1800" dirty="0">
-              <a:solidFill>
-                <a:schemeClr val="tx1"/>
-              </a:solidFill>
-              <a:latin typeface="Times New Roman" pitchFamily="18" charset="0"/>
-              <a:cs typeface="Times New Roman" pitchFamily="18" charset="0"/>
-            </a:endParaRPr>
-          </a:p>
-        </p:txBody>
-      </p:sp>
       <p:pic>
         <p:nvPicPr>
           <p:cNvPr id="6" name="Picture 5" descr="micro31-1.jpg"/>
@@ -13236,16 +12515,916 @@
           </p:cNvPicPr>
           <p:nvPr/>
         </p:nvPicPr>
-        <p:blipFill>
+        <p:blipFill rotWithShape="1">
           <a:blip r:embed="rId3"/>
-          <a:stretch>
-            <a:fillRect/>
-          </a:stretch>
+          <a:srcRect r="66162"/>
+          <a:stretch/>
         </p:blipFill>
         <p:spPr>
           <a:xfrm>
-            <a:off x="800100" y="990601"/>
-            <a:ext cx="7543800" cy="2514599"/>
+            <a:off x="668215" y="946335"/>
+            <a:ext cx="2552700" cy="2514599"/>
+          </a:xfrm>
+          <a:prstGeom prst="rect">
+            <a:avLst/>
+          </a:prstGeom>
+        </p:spPr>
+      </p:pic>
+      <p:sp>
+        <p:nvSpPr>
+          <p:cNvPr id="2" name="TextBox 1"/>
+          <p:cNvSpPr txBox="1"/>
+          <p:nvPr/>
+        </p:nvSpPr>
+        <p:spPr>
+          <a:xfrm>
+            <a:off x="533400" y="4191000"/>
+            <a:ext cx="7620000" cy="369332"/>
+          </a:xfrm>
+          <a:prstGeom prst="rect">
+            <a:avLst/>
+          </a:prstGeom>
+          <a:noFill/>
+        </p:spPr>
+        <p:txBody>
+          <a:bodyPr wrap="square" rtlCol="0">
+            <a:spAutoFit/>
+          </a:bodyPr>
+          <a:lstStyle/>
+          <a:p>
+            <a:pPr lvl="0" algn="just"/>
+            <a:r>
+              <a:rPr lang="en-US" dirty="0" err="1" smtClean="0">
+                <a:latin typeface="Times New Roman" pitchFamily="18" charset="0"/>
+                <a:cs typeface="Times New Roman" pitchFamily="18" charset="0"/>
+              </a:rPr>
+              <a:t>Giúp</a:t>
+            </a:r>
+            <a:r>
+              <a:rPr lang="en-US" dirty="0" smtClean="0">
+                <a:latin typeface="Times New Roman" pitchFamily="18" charset="0"/>
+                <a:cs typeface="Times New Roman" pitchFamily="18" charset="0"/>
+              </a:rPr>
+              <a:t> </a:t>
+            </a:r>
+            <a:r>
+              <a:rPr lang="en-US" dirty="0" err="1">
+                <a:latin typeface="Times New Roman" pitchFamily="18" charset="0"/>
+                <a:cs typeface="Times New Roman" pitchFamily="18" charset="0"/>
+              </a:rPr>
+              <a:t>giảm</a:t>
+            </a:r>
+            <a:r>
+              <a:rPr lang="en-US" dirty="0">
+                <a:latin typeface="Times New Roman" pitchFamily="18" charset="0"/>
+                <a:cs typeface="Times New Roman" pitchFamily="18" charset="0"/>
+              </a:rPr>
+              <a:t> </a:t>
+            </a:r>
+            <a:r>
+              <a:rPr lang="en-US" dirty="0" err="1">
+                <a:latin typeface="Times New Roman" pitchFamily="18" charset="0"/>
+                <a:cs typeface="Times New Roman" pitchFamily="18" charset="0"/>
+              </a:rPr>
+              <a:t>thiểu</a:t>
+            </a:r>
+            <a:r>
+              <a:rPr lang="en-US" dirty="0">
+                <a:latin typeface="Times New Roman" pitchFamily="18" charset="0"/>
+                <a:cs typeface="Times New Roman" pitchFamily="18" charset="0"/>
+              </a:rPr>
+              <a:t> </a:t>
+            </a:r>
+            <a:r>
+              <a:rPr lang="en-US" dirty="0" err="1">
+                <a:latin typeface="Times New Roman" pitchFamily="18" charset="0"/>
+                <a:cs typeface="Times New Roman" pitchFamily="18" charset="0"/>
+              </a:rPr>
+              <a:t>quá</a:t>
+            </a:r>
+            <a:r>
+              <a:rPr lang="en-US" dirty="0">
+                <a:latin typeface="Times New Roman" pitchFamily="18" charset="0"/>
+                <a:cs typeface="Times New Roman" pitchFamily="18" charset="0"/>
+              </a:rPr>
+              <a:t> </a:t>
+            </a:r>
+            <a:r>
+              <a:rPr lang="en-US" dirty="0" err="1">
+                <a:latin typeface="Times New Roman" pitchFamily="18" charset="0"/>
+                <a:cs typeface="Times New Roman" pitchFamily="18" charset="0"/>
+              </a:rPr>
+              <a:t>trình</a:t>
+            </a:r>
+            <a:r>
+              <a:rPr lang="en-US" dirty="0">
+                <a:latin typeface="Times New Roman" pitchFamily="18" charset="0"/>
+                <a:cs typeface="Times New Roman" pitchFamily="18" charset="0"/>
+              </a:rPr>
+              <a:t> </a:t>
+            </a:r>
+            <a:r>
+              <a:rPr lang="en-US" dirty="0" err="1">
+                <a:latin typeface="Times New Roman" pitchFamily="18" charset="0"/>
+                <a:cs typeface="Times New Roman" pitchFamily="18" charset="0"/>
+              </a:rPr>
+              <a:t>phức</a:t>
+            </a:r>
+            <a:r>
+              <a:rPr lang="en-US" dirty="0">
+                <a:latin typeface="Times New Roman" pitchFamily="18" charset="0"/>
+                <a:cs typeface="Times New Roman" pitchFamily="18" charset="0"/>
+              </a:rPr>
+              <a:t> </a:t>
+            </a:r>
+            <a:r>
+              <a:rPr lang="en-US" dirty="0" err="1">
+                <a:latin typeface="Times New Roman" pitchFamily="18" charset="0"/>
+                <a:cs typeface="Times New Roman" pitchFamily="18" charset="0"/>
+              </a:rPr>
+              <a:t>tạp</a:t>
+            </a:r>
+            <a:r>
+              <a:rPr lang="en-US" dirty="0">
+                <a:latin typeface="Times New Roman" pitchFamily="18" charset="0"/>
+                <a:cs typeface="Times New Roman" pitchFamily="18" charset="0"/>
+              </a:rPr>
+              <a:t> </a:t>
+            </a:r>
+            <a:r>
+              <a:rPr lang="en-US" dirty="0" err="1">
+                <a:latin typeface="Times New Roman" pitchFamily="18" charset="0"/>
+                <a:cs typeface="Times New Roman" pitchFamily="18" charset="0"/>
+              </a:rPr>
+              <a:t>hóa</a:t>
+            </a:r>
+            <a:r>
+              <a:rPr lang="en-US" dirty="0">
+                <a:latin typeface="Times New Roman" pitchFamily="18" charset="0"/>
+                <a:cs typeface="Times New Roman" pitchFamily="18" charset="0"/>
+              </a:rPr>
+              <a:t>, </a:t>
+            </a:r>
+            <a:r>
+              <a:rPr lang="en-US" dirty="0" err="1">
+                <a:latin typeface="Times New Roman" pitchFamily="18" charset="0"/>
+                <a:cs typeface="Times New Roman" pitchFamily="18" charset="0"/>
+              </a:rPr>
+              <a:t>rối</a:t>
+            </a:r>
+            <a:r>
+              <a:rPr lang="en-US" dirty="0">
+                <a:latin typeface="Times New Roman" pitchFamily="18" charset="0"/>
+                <a:cs typeface="Times New Roman" pitchFamily="18" charset="0"/>
+              </a:rPr>
+              <a:t> </a:t>
+            </a:r>
+            <a:r>
+              <a:rPr lang="en-US" dirty="0" err="1">
+                <a:latin typeface="Times New Roman" pitchFamily="18" charset="0"/>
+                <a:cs typeface="Times New Roman" pitchFamily="18" charset="0"/>
+              </a:rPr>
+              <a:t>rắm</a:t>
+            </a:r>
+            <a:r>
+              <a:rPr lang="en-US" dirty="0">
+                <a:latin typeface="Times New Roman" pitchFamily="18" charset="0"/>
+                <a:cs typeface="Times New Roman" pitchFamily="18" charset="0"/>
+              </a:rPr>
+              <a:t> </a:t>
+            </a:r>
+            <a:r>
+              <a:rPr lang="en-US" dirty="0" err="1">
+                <a:latin typeface="Times New Roman" pitchFamily="18" charset="0"/>
+                <a:cs typeface="Times New Roman" pitchFamily="18" charset="0"/>
+              </a:rPr>
+              <a:t>hóa</a:t>
+            </a:r>
+            <a:r>
+              <a:rPr lang="en-US" dirty="0">
+                <a:latin typeface="Times New Roman" pitchFamily="18" charset="0"/>
+                <a:cs typeface="Times New Roman" pitchFamily="18" charset="0"/>
+              </a:rPr>
+              <a:t> </a:t>
+            </a:r>
+            <a:r>
+              <a:rPr lang="en-US" dirty="0" err="1">
+                <a:latin typeface="Times New Roman" pitchFamily="18" charset="0"/>
+                <a:cs typeface="Times New Roman" pitchFamily="18" charset="0"/>
+              </a:rPr>
+              <a:t>trong</a:t>
+            </a:r>
+            <a:r>
+              <a:rPr lang="en-US" dirty="0">
+                <a:latin typeface="Times New Roman" pitchFamily="18" charset="0"/>
+                <a:cs typeface="Times New Roman" pitchFamily="18" charset="0"/>
+              </a:rPr>
+              <a:t> </a:t>
+            </a:r>
+            <a:r>
+              <a:rPr lang="en-US" dirty="0" err="1">
+                <a:latin typeface="Times New Roman" pitchFamily="18" charset="0"/>
+                <a:cs typeface="Times New Roman" pitchFamily="18" charset="0"/>
+              </a:rPr>
+              <a:t>các</a:t>
+            </a:r>
+            <a:r>
+              <a:rPr lang="en-US" dirty="0">
+                <a:latin typeface="Times New Roman" pitchFamily="18" charset="0"/>
+                <a:cs typeface="Times New Roman" pitchFamily="18" charset="0"/>
+              </a:rPr>
+              <a:t> </a:t>
+            </a:r>
+            <a:r>
+              <a:rPr lang="en-US" dirty="0" err="1">
+                <a:latin typeface="Times New Roman" pitchFamily="18" charset="0"/>
+                <a:cs typeface="Times New Roman" pitchFamily="18" charset="0"/>
+              </a:rPr>
+              <a:t>hệ</a:t>
+            </a:r>
+            <a:r>
+              <a:rPr lang="en-US" dirty="0">
+                <a:latin typeface="Times New Roman" pitchFamily="18" charset="0"/>
+                <a:cs typeface="Times New Roman" pitchFamily="18" charset="0"/>
+              </a:rPr>
+              <a:t> </a:t>
+            </a:r>
+            <a:r>
+              <a:rPr lang="en-US" dirty="0" err="1">
+                <a:latin typeface="Times New Roman" pitchFamily="18" charset="0"/>
+                <a:cs typeface="Times New Roman" pitchFamily="18" charset="0"/>
+              </a:rPr>
+              <a:t>thống</a:t>
+            </a:r>
+            <a:r>
+              <a:rPr lang="en-US" dirty="0">
+                <a:latin typeface="Times New Roman" pitchFamily="18" charset="0"/>
+                <a:cs typeface="Times New Roman" pitchFamily="18" charset="0"/>
+              </a:rPr>
+              <a:t> </a:t>
+            </a:r>
+            <a:r>
+              <a:rPr lang="en-US" dirty="0" err="1">
+                <a:latin typeface="Times New Roman" pitchFamily="18" charset="0"/>
+                <a:cs typeface="Times New Roman" pitchFamily="18" charset="0"/>
+              </a:rPr>
+              <a:t>lớn</a:t>
+            </a:r>
+            <a:r>
+              <a:rPr lang="en-US" dirty="0">
+                <a:latin typeface="Times New Roman" pitchFamily="18" charset="0"/>
+                <a:cs typeface="Times New Roman" pitchFamily="18" charset="0"/>
+              </a:rPr>
+              <a:t>. </a:t>
+            </a:r>
+          </a:p>
+        </p:txBody>
+      </p:sp>
+      <p:sp>
+        <p:nvSpPr>
+          <p:cNvPr id="3" name="TextBox 2"/>
+          <p:cNvSpPr txBox="1"/>
+          <p:nvPr/>
+        </p:nvSpPr>
+        <p:spPr>
+          <a:xfrm>
+            <a:off x="533400" y="4835045"/>
+            <a:ext cx="7505700" cy="646331"/>
+          </a:xfrm>
+          <a:prstGeom prst="rect">
+            <a:avLst/>
+          </a:prstGeom>
+          <a:noFill/>
+        </p:spPr>
+        <p:txBody>
+          <a:bodyPr wrap="square" rtlCol="0">
+            <a:spAutoFit/>
+          </a:bodyPr>
+          <a:lstStyle/>
+          <a:p>
+            <a:pPr lvl="0" algn="just"/>
+            <a:r>
+              <a:rPr lang="en-US" dirty="0">
+                <a:latin typeface="Times New Roman" pitchFamily="18" charset="0"/>
+                <a:cs typeface="Times New Roman" pitchFamily="18" charset="0"/>
+              </a:rPr>
+              <a:t>Cho </a:t>
+            </a:r>
+            <a:r>
+              <a:rPr lang="en-US" dirty="0" err="1">
+                <a:latin typeface="Times New Roman" pitchFamily="18" charset="0"/>
+                <a:cs typeface="Times New Roman" pitchFamily="18" charset="0"/>
+              </a:rPr>
+              <a:t>phép</a:t>
+            </a:r>
+            <a:r>
+              <a:rPr lang="en-US" dirty="0">
+                <a:latin typeface="Times New Roman" pitchFamily="18" charset="0"/>
+                <a:cs typeface="Times New Roman" pitchFamily="18" charset="0"/>
+              </a:rPr>
+              <a:t> </a:t>
+            </a:r>
+            <a:r>
+              <a:rPr lang="en-US" dirty="0" err="1">
+                <a:latin typeface="Times New Roman" pitchFamily="18" charset="0"/>
+                <a:cs typeface="Times New Roman" pitchFamily="18" charset="0"/>
+              </a:rPr>
+              <a:t>mỗi</a:t>
+            </a:r>
+            <a:r>
+              <a:rPr lang="en-US" dirty="0">
+                <a:latin typeface="Times New Roman" pitchFamily="18" charset="0"/>
+                <a:cs typeface="Times New Roman" pitchFamily="18" charset="0"/>
+              </a:rPr>
+              <a:t> </a:t>
+            </a:r>
+            <a:r>
+              <a:rPr lang="en-US" dirty="0" err="1" smtClean="0">
+                <a:latin typeface="Times New Roman" pitchFamily="18" charset="0"/>
+                <a:cs typeface="Times New Roman" pitchFamily="18" charset="0"/>
+              </a:rPr>
+              <a:t>microservice</a:t>
+            </a:r>
+            <a:r>
+              <a:rPr lang="en-US" dirty="0" smtClean="0">
+                <a:latin typeface="Times New Roman" pitchFamily="18" charset="0"/>
+                <a:cs typeface="Times New Roman" pitchFamily="18" charset="0"/>
+              </a:rPr>
+              <a:t> </a:t>
+            </a:r>
+            <a:r>
+              <a:rPr lang="en-US" dirty="0" err="1">
+                <a:latin typeface="Times New Roman" pitchFamily="18" charset="0"/>
+                <a:cs typeface="Times New Roman" pitchFamily="18" charset="0"/>
+              </a:rPr>
+              <a:t>phát</a:t>
+            </a:r>
+            <a:r>
+              <a:rPr lang="en-US" dirty="0">
+                <a:latin typeface="Times New Roman" pitchFamily="18" charset="0"/>
+                <a:cs typeface="Times New Roman" pitchFamily="18" charset="0"/>
+              </a:rPr>
+              <a:t> </a:t>
+            </a:r>
+            <a:r>
+              <a:rPr lang="en-US" dirty="0" err="1">
+                <a:latin typeface="Times New Roman" pitchFamily="18" charset="0"/>
+                <a:cs typeface="Times New Roman" pitchFamily="18" charset="0"/>
+              </a:rPr>
+              <a:t>triển</a:t>
+            </a:r>
+            <a:r>
+              <a:rPr lang="en-US" dirty="0">
+                <a:latin typeface="Times New Roman" pitchFamily="18" charset="0"/>
+                <a:cs typeface="Times New Roman" pitchFamily="18" charset="0"/>
+              </a:rPr>
+              <a:t>, </a:t>
+            </a:r>
+            <a:r>
+              <a:rPr lang="en-US" dirty="0" err="1">
+                <a:latin typeface="Times New Roman" pitchFamily="18" charset="0"/>
+                <a:cs typeface="Times New Roman" pitchFamily="18" charset="0"/>
+              </a:rPr>
+              <a:t>đóng</a:t>
+            </a:r>
+            <a:r>
+              <a:rPr lang="en-US" dirty="0">
+                <a:latin typeface="Times New Roman" pitchFamily="18" charset="0"/>
+                <a:cs typeface="Times New Roman" pitchFamily="18" charset="0"/>
+              </a:rPr>
+              <a:t> </a:t>
+            </a:r>
+            <a:r>
+              <a:rPr lang="en-US" dirty="0" err="1">
+                <a:latin typeface="Times New Roman" pitchFamily="18" charset="0"/>
+                <a:cs typeface="Times New Roman" pitchFamily="18" charset="0"/>
+              </a:rPr>
+              <a:t>gói</a:t>
+            </a:r>
+            <a:r>
+              <a:rPr lang="en-US" dirty="0">
+                <a:latin typeface="Times New Roman" pitchFamily="18" charset="0"/>
+                <a:cs typeface="Times New Roman" pitchFamily="18" charset="0"/>
+              </a:rPr>
+              <a:t>, </a:t>
+            </a:r>
+            <a:r>
+              <a:rPr lang="en-US" dirty="0" err="1">
+                <a:latin typeface="Times New Roman" pitchFamily="18" charset="0"/>
+                <a:cs typeface="Times New Roman" pitchFamily="18" charset="0"/>
+              </a:rPr>
+              <a:t>triển</a:t>
+            </a:r>
+            <a:r>
+              <a:rPr lang="en-US" dirty="0">
+                <a:latin typeface="Times New Roman" pitchFamily="18" charset="0"/>
+                <a:cs typeface="Times New Roman" pitchFamily="18" charset="0"/>
+              </a:rPr>
+              <a:t> </a:t>
+            </a:r>
+            <a:r>
+              <a:rPr lang="en-US" dirty="0" err="1">
+                <a:latin typeface="Times New Roman" pitchFamily="18" charset="0"/>
+                <a:cs typeface="Times New Roman" pitchFamily="18" charset="0"/>
+              </a:rPr>
+              <a:t>khai</a:t>
+            </a:r>
+            <a:r>
+              <a:rPr lang="en-US" dirty="0">
+                <a:latin typeface="Times New Roman" pitchFamily="18" charset="0"/>
+                <a:cs typeface="Times New Roman" pitchFamily="18" charset="0"/>
+              </a:rPr>
+              <a:t> </a:t>
+            </a:r>
+            <a:r>
+              <a:rPr lang="en-US" dirty="0" err="1">
+                <a:latin typeface="Times New Roman" pitchFamily="18" charset="0"/>
+                <a:cs typeface="Times New Roman" pitchFamily="18" charset="0"/>
+              </a:rPr>
+              <a:t>và</a:t>
+            </a:r>
+            <a:r>
+              <a:rPr lang="en-US" dirty="0">
+                <a:latin typeface="Times New Roman" pitchFamily="18" charset="0"/>
+                <a:cs typeface="Times New Roman" pitchFamily="18" charset="0"/>
+              </a:rPr>
+              <a:t> </a:t>
+            </a:r>
+            <a:r>
+              <a:rPr lang="en-US" dirty="0" err="1">
+                <a:latin typeface="Times New Roman" pitchFamily="18" charset="0"/>
+                <a:cs typeface="Times New Roman" pitchFamily="18" charset="0"/>
+              </a:rPr>
+              <a:t>mở</a:t>
+            </a:r>
+            <a:r>
+              <a:rPr lang="en-US" dirty="0">
+                <a:latin typeface="Times New Roman" pitchFamily="18" charset="0"/>
+                <a:cs typeface="Times New Roman" pitchFamily="18" charset="0"/>
+              </a:rPr>
+              <a:t> </a:t>
+            </a:r>
+            <a:r>
+              <a:rPr lang="en-US" dirty="0" err="1">
+                <a:latin typeface="Times New Roman" pitchFamily="18" charset="0"/>
+                <a:cs typeface="Times New Roman" pitchFamily="18" charset="0"/>
+              </a:rPr>
+              <a:t>rộng</a:t>
+            </a:r>
+            <a:r>
+              <a:rPr lang="en-US" dirty="0">
+                <a:latin typeface="Times New Roman" pitchFamily="18" charset="0"/>
+                <a:cs typeface="Times New Roman" pitchFamily="18" charset="0"/>
+              </a:rPr>
+              <a:t> </a:t>
+            </a:r>
+            <a:r>
+              <a:rPr lang="en-US" dirty="0" err="1">
+                <a:latin typeface="Times New Roman" pitchFamily="18" charset="0"/>
+                <a:cs typeface="Times New Roman" pitchFamily="18" charset="0"/>
+              </a:rPr>
+              <a:t>quy</a:t>
+            </a:r>
+            <a:r>
+              <a:rPr lang="en-US" dirty="0">
+                <a:latin typeface="Times New Roman" pitchFamily="18" charset="0"/>
+                <a:cs typeface="Times New Roman" pitchFamily="18" charset="0"/>
+              </a:rPr>
+              <a:t> </a:t>
+            </a:r>
+            <a:r>
+              <a:rPr lang="en-US" dirty="0" err="1">
+                <a:latin typeface="Times New Roman" pitchFamily="18" charset="0"/>
+                <a:cs typeface="Times New Roman" pitchFamily="18" charset="0"/>
+              </a:rPr>
+              <a:t>mô</a:t>
+            </a:r>
+            <a:r>
+              <a:rPr lang="en-US" dirty="0">
+                <a:latin typeface="Times New Roman" pitchFamily="18" charset="0"/>
+                <a:cs typeface="Times New Roman" pitchFamily="18" charset="0"/>
+              </a:rPr>
+              <a:t> </a:t>
+            </a:r>
+            <a:r>
+              <a:rPr lang="en-US" dirty="0" err="1">
+                <a:latin typeface="Times New Roman" pitchFamily="18" charset="0"/>
+                <a:cs typeface="Times New Roman" pitchFamily="18" charset="0"/>
+              </a:rPr>
+              <a:t>một</a:t>
+            </a:r>
+            <a:r>
+              <a:rPr lang="en-US" dirty="0">
+                <a:latin typeface="Times New Roman" pitchFamily="18" charset="0"/>
+                <a:cs typeface="Times New Roman" pitchFamily="18" charset="0"/>
+              </a:rPr>
+              <a:t> </a:t>
+            </a:r>
+            <a:r>
+              <a:rPr lang="en-US" dirty="0" err="1">
+                <a:latin typeface="Times New Roman" pitchFamily="18" charset="0"/>
+                <a:cs typeface="Times New Roman" pitchFamily="18" charset="0"/>
+              </a:rPr>
+              <a:t>cách</a:t>
+            </a:r>
+            <a:r>
+              <a:rPr lang="en-US" dirty="0">
+                <a:latin typeface="Times New Roman" pitchFamily="18" charset="0"/>
+                <a:cs typeface="Times New Roman" pitchFamily="18" charset="0"/>
+              </a:rPr>
+              <a:t> </a:t>
+            </a:r>
+            <a:r>
+              <a:rPr lang="en-US" dirty="0" err="1">
+                <a:latin typeface="Times New Roman" pitchFamily="18" charset="0"/>
+                <a:cs typeface="Times New Roman" pitchFamily="18" charset="0"/>
+              </a:rPr>
+              <a:t>dễ</a:t>
+            </a:r>
+            <a:r>
+              <a:rPr lang="en-US" dirty="0">
+                <a:latin typeface="Times New Roman" pitchFamily="18" charset="0"/>
+                <a:cs typeface="Times New Roman" pitchFamily="18" charset="0"/>
+              </a:rPr>
+              <a:t> </a:t>
+            </a:r>
+            <a:r>
+              <a:rPr lang="en-US" dirty="0" err="1">
+                <a:latin typeface="Times New Roman" pitchFamily="18" charset="0"/>
+                <a:cs typeface="Times New Roman" pitchFamily="18" charset="0"/>
+              </a:rPr>
+              <a:t>dàng</a:t>
+            </a:r>
+            <a:r>
+              <a:rPr lang="en-US" dirty="0">
+                <a:latin typeface="Times New Roman" pitchFamily="18" charset="0"/>
+                <a:cs typeface="Times New Roman" pitchFamily="18" charset="0"/>
+              </a:rPr>
+              <a:t>, </a:t>
+            </a:r>
+            <a:r>
+              <a:rPr lang="en-US" dirty="0" err="1">
+                <a:latin typeface="Times New Roman" pitchFamily="18" charset="0"/>
+                <a:cs typeface="Times New Roman" pitchFamily="18" charset="0"/>
+              </a:rPr>
+              <a:t>độc</a:t>
+            </a:r>
+            <a:r>
+              <a:rPr lang="en-US" dirty="0">
+                <a:latin typeface="Times New Roman" pitchFamily="18" charset="0"/>
+                <a:cs typeface="Times New Roman" pitchFamily="18" charset="0"/>
+              </a:rPr>
+              <a:t> </a:t>
+            </a:r>
+            <a:r>
+              <a:rPr lang="en-US" dirty="0" err="1">
+                <a:latin typeface="Times New Roman" pitchFamily="18" charset="0"/>
+                <a:cs typeface="Times New Roman" pitchFamily="18" charset="0"/>
+              </a:rPr>
+              <a:t>lập</a:t>
+            </a:r>
+            <a:r>
+              <a:rPr lang="en-US" dirty="0">
+                <a:latin typeface="Times New Roman" pitchFamily="18" charset="0"/>
+                <a:cs typeface="Times New Roman" pitchFamily="18" charset="0"/>
+              </a:rPr>
+              <a:t>.</a:t>
+            </a:r>
+          </a:p>
+        </p:txBody>
+      </p:sp>
+      <p:sp>
+        <p:nvSpPr>
+          <p:cNvPr id="8" name="TextBox 7"/>
+          <p:cNvSpPr txBox="1"/>
+          <p:nvPr/>
+        </p:nvSpPr>
+        <p:spPr>
+          <a:xfrm>
+            <a:off x="533400" y="5715000"/>
+            <a:ext cx="7505700" cy="646331"/>
+          </a:xfrm>
+          <a:prstGeom prst="rect">
+            <a:avLst/>
+          </a:prstGeom>
+          <a:noFill/>
+        </p:spPr>
+        <p:txBody>
+          <a:bodyPr wrap="square" rtlCol="0">
+            <a:spAutoFit/>
+          </a:bodyPr>
+          <a:lstStyle/>
+          <a:p>
+            <a:pPr lvl="0" algn="just"/>
+            <a:r>
+              <a:rPr lang="en-US" dirty="0" err="1">
+                <a:latin typeface="Times New Roman" pitchFamily="18" charset="0"/>
+                <a:cs typeface="Times New Roman" pitchFamily="18" charset="0"/>
+              </a:rPr>
+              <a:t>Mỗi</a:t>
+            </a:r>
+            <a:r>
+              <a:rPr lang="en-US" dirty="0">
+                <a:latin typeface="Times New Roman" pitchFamily="18" charset="0"/>
+                <a:cs typeface="Times New Roman" pitchFamily="18" charset="0"/>
+              </a:rPr>
+              <a:t> </a:t>
+            </a:r>
+            <a:r>
+              <a:rPr lang="en-US" dirty="0" err="1">
+                <a:latin typeface="Times New Roman" pitchFamily="18" charset="0"/>
+                <a:cs typeface="Times New Roman" pitchFamily="18" charset="0"/>
+              </a:rPr>
+              <a:t>microservice</a:t>
+            </a:r>
+            <a:r>
+              <a:rPr lang="en-US" dirty="0">
+                <a:latin typeface="Times New Roman" pitchFamily="18" charset="0"/>
+                <a:cs typeface="Times New Roman" pitchFamily="18" charset="0"/>
+              </a:rPr>
+              <a:t> </a:t>
+            </a:r>
+            <a:r>
+              <a:rPr lang="en-US" dirty="0" err="1">
+                <a:latin typeface="Times New Roman" pitchFamily="18" charset="0"/>
+                <a:cs typeface="Times New Roman" pitchFamily="18" charset="0"/>
+              </a:rPr>
+              <a:t>cho</a:t>
+            </a:r>
+            <a:r>
+              <a:rPr lang="en-US" dirty="0">
+                <a:latin typeface="Times New Roman" pitchFamily="18" charset="0"/>
+                <a:cs typeface="Times New Roman" pitchFamily="18" charset="0"/>
+              </a:rPr>
+              <a:t> </a:t>
+            </a:r>
+            <a:r>
+              <a:rPr lang="en-US" dirty="0" err="1">
+                <a:latin typeface="Times New Roman" pitchFamily="18" charset="0"/>
+                <a:cs typeface="Times New Roman" pitchFamily="18" charset="0"/>
+              </a:rPr>
+              <a:t>phép</a:t>
+            </a:r>
+            <a:r>
+              <a:rPr lang="en-US" dirty="0">
+                <a:latin typeface="Times New Roman" pitchFamily="18" charset="0"/>
+                <a:cs typeface="Times New Roman" pitchFamily="18" charset="0"/>
+              </a:rPr>
+              <a:t> </a:t>
+            </a:r>
+            <a:r>
+              <a:rPr lang="en-US" dirty="0" err="1">
+                <a:latin typeface="Times New Roman" pitchFamily="18" charset="0"/>
+                <a:cs typeface="Times New Roman" pitchFamily="18" charset="0"/>
+              </a:rPr>
+              <a:t>lựa</a:t>
+            </a:r>
+            <a:r>
+              <a:rPr lang="en-US" dirty="0">
+                <a:latin typeface="Times New Roman" pitchFamily="18" charset="0"/>
+                <a:cs typeface="Times New Roman" pitchFamily="18" charset="0"/>
+              </a:rPr>
+              <a:t> </a:t>
+            </a:r>
+            <a:r>
+              <a:rPr lang="en-US" dirty="0" err="1">
+                <a:latin typeface="Times New Roman" pitchFamily="18" charset="0"/>
+                <a:cs typeface="Times New Roman" pitchFamily="18" charset="0"/>
+              </a:rPr>
+              <a:t>chọn</a:t>
+            </a:r>
+            <a:r>
+              <a:rPr lang="en-US" dirty="0">
+                <a:latin typeface="Times New Roman" pitchFamily="18" charset="0"/>
+                <a:cs typeface="Times New Roman" pitchFamily="18" charset="0"/>
+              </a:rPr>
+              <a:t> </a:t>
+            </a:r>
+            <a:r>
+              <a:rPr lang="en-US" dirty="0" err="1">
+                <a:latin typeface="Times New Roman" pitchFamily="18" charset="0"/>
+                <a:cs typeface="Times New Roman" pitchFamily="18" charset="0"/>
+              </a:rPr>
+              <a:t>công</a:t>
+            </a:r>
+            <a:r>
+              <a:rPr lang="en-US" dirty="0">
+                <a:latin typeface="Times New Roman" pitchFamily="18" charset="0"/>
+                <a:cs typeface="Times New Roman" pitchFamily="18" charset="0"/>
+              </a:rPr>
+              <a:t> </a:t>
+            </a:r>
+            <a:r>
+              <a:rPr lang="en-US" dirty="0" err="1">
+                <a:latin typeface="Times New Roman" pitchFamily="18" charset="0"/>
+                <a:cs typeface="Times New Roman" pitchFamily="18" charset="0"/>
+              </a:rPr>
+              <a:t>nghệ</a:t>
+            </a:r>
+            <a:r>
+              <a:rPr lang="en-US" dirty="0">
+                <a:latin typeface="Times New Roman" pitchFamily="18" charset="0"/>
+                <a:cs typeface="Times New Roman" pitchFamily="18" charset="0"/>
+              </a:rPr>
+              <a:t> </a:t>
+            </a:r>
+            <a:r>
+              <a:rPr lang="en-US" dirty="0" err="1">
+                <a:latin typeface="Times New Roman" pitchFamily="18" charset="0"/>
+                <a:cs typeface="Times New Roman" pitchFamily="18" charset="0"/>
+              </a:rPr>
+              <a:t>thích</a:t>
+            </a:r>
+            <a:r>
+              <a:rPr lang="en-US" dirty="0">
+                <a:latin typeface="Times New Roman" pitchFamily="18" charset="0"/>
+                <a:cs typeface="Times New Roman" pitchFamily="18" charset="0"/>
+              </a:rPr>
+              <a:t> </a:t>
+            </a:r>
+            <a:r>
+              <a:rPr lang="en-US" dirty="0" err="1">
+                <a:latin typeface="Times New Roman" pitchFamily="18" charset="0"/>
+                <a:cs typeface="Times New Roman" pitchFamily="18" charset="0"/>
+              </a:rPr>
+              <a:t>hợp</a:t>
+            </a:r>
+            <a:r>
+              <a:rPr lang="en-US" dirty="0">
+                <a:latin typeface="Times New Roman" pitchFamily="18" charset="0"/>
+                <a:cs typeface="Times New Roman" pitchFamily="18" charset="0"/>
+              </a:rPr>
+              <a:t>, </a:t>
+            </a:r>
+            <a:r>
+              <a:rPr lang="en-US" dirty="0" err="1">
+                <a:latin typeface="Times New Roman" pitchFamily="18" charset="0"/>
+                <a:cs typeface="Times New Roman" pitchFamily="18" charset="0"/>
+              </a:rPr>
+              <a:t>tiết</a:t>
+            </a:r>
+            <a:r>
+              <a:rPr lang="en-US" dirty="0">
+                <a:latin typeface="Times New Roman" pitchFamily="18" charset="0"/>
+                <a:cs typeface="Times New Roman" pitchFamily="18" charset="0"/>
+              </a:rPr>
+              <a:t> </a:t>
+            </a:r>
+            <a:r>
+              <a:rPr lang="en-US" dirty="0" err="1">
+                <a:latin typeface="Times New Roman" pitchFamily="18" charset="0"/>
+                <a:cs typeface="Times New Roman" pitchFamily="18" charset="0"/>
+              </a:rPr>
+              <a:t>kiệm</a:t>
+            </a:r>
+            <a:r>
+              <a:rPr lang="en-US" dirty="0">
+                <a:latin typeface="Times New Roman" pitchFamily="18" charset="0"/>
+                <a:cs typeface="Times New Roman" pitchFamily="18" charset="0"/>
+              </a:rPr>
+              <a:t> chi </a:t>
+            </a:r>
+            <a:r>
+              <a:rPr lang="en-US" dirty="0" err="1">
+                <a:latin typeface="Times New Roman" pitchFamily="18" charset="0"/>
+                <a:cs typeface="Times New Roman" pitchFamily="18" charset="0"/>
+              </a:rPr>
+              <a:t>phí</a:t>
+            </a:r>
+            <a:r>
+              <a:rPr lang="en-US" dirty="0">
+                <a:latin typeface="Times New Roman" pitchFamily="18" charset="0"/>
+                <a:cs typeface="Times New Roman" pitchFamily="18" charset="0"/>
+              </a:rPr>
+              <a:t> </a:t>
+            </a:r>
+            <a:r>
+              <a:rPr lang="en-US" dirty="0" err="1">
+                <a:latin typeface="Times New Roman" pitchFamily="18" charset="0"/>
+                <a:cs typeface="Times New Roman" pitchFamily="18" charset="0"/>
+              </a:rPr>
+              <a:t>phát</a:t>
+            </a:r>
+            <a:r>
+              <a:rPr lang="en-US" dirty="0">
+                <a:latin typeface="Times New Roman" pitchFamily="18" charset="0"/>
+                <a:cs typeface="Times New Roman" pitchFamily="18" charset="0"/>
+              </a:rPr>
+              <a:t> </a:t>
+            </a:r>
+            <a:r>
+              <a:rPr lang="en-US" dirty="0" err="1">
+                <a:latin typeface="Times New Roman" pitchFamily="18" charset="0"/>
+                <a:cs typeface="Times New Roman" pitchFamily="18" charset="0"/>
+              </a:rPr>
+              <a:t>triển</a:t>
+            </a:r>
+            <a:r>
+              <a:rPr lang="en-US" dirty="0">
+                <a:latin typeface="Times New Roman" pitchFamily="18" charset="0"/>
+                <a:cs typeface="Times New Roman" pitchFamily="18" charset="0"/>
+              </a:rPr>
+              <a:t>, </a:t>
+            </a:r>
+            <a:r>
+              <a:rPr lang="en-US" dirty="0" err="1">
+                <a:latin typeface="Times New Roman" pitchFamily="18" charset="0"/>
+                <a:cs typeface="Times New Roman" pitchFamily="18" charset="0"/>
+              </a:rPr>
+              <a:t>đóng</a:t>
+            </a:r>
+            <a:r>
+              <a:rPr lang="en-US" dirty="0">
+                <a:latin typeface="Times New Roman" pitchFamily="18" charset="0"/>
+                <a:cs typeface="Times New Roman" pitchFamily="18" charset="0"/>
+              </a:rPr>
+              <a:t> </a:t>
+            </a:r>
+            <a:r>
+              <a:rPr lang="en-US" dirty="0" err="1">
+                <a:latin typeface="Times New Roman" pitchFamily="18" charset="0"/>
+                <a:cs typeface="Times New Roman" pitchFamily="18" charset="0"/>
+              </a:rPr>
+              <a:t>gói</a:t>
+            </a:r>
+            <a:r>
+              <a:rPr lang="en-US" dirty="0">
+                <a:latin typeface="Times New Roman" pitchFamily="18" charset="0"/>
+                <a:cs typeface="Times New Roman" pitchFamily="18" charset="0"/>
+              </a:rPr>
+              <a:t> &amp; </a:t>
+            </a:r>
+            <a:r>
+              <a:rPr lang="en-US" dirty="0" err="1">
+                <a:latin typeface="Times New Roman" pitchFamily="18" charset="0"/>
+                <a:cs typeface="Times New Roman" pitchFamily="18" charset="0"/>
+              </a:rPr>
+              <a:t>triển</a:t>
+            </a:r>
+            <a:r>
+              <a:rPr lang="en-US" dirty="0">
+                <a:latin typeface="Times New Roman" pitchFamily="18" charset="0"/>
+                <a:cs typeface="Times New Roman" pitchFamily="18" charset="0"/>
+              </a:rPr>
+              <a:t> </a:t>
+            </a:r>
+            <a:r>
+              <a:rPr lang="en-US" dirty="0" err="1">
+                <a:latin typeface="Times New Roman" pitchFamily="18" charset="0"/>
+                <a:cs typeface="Times New Roman" pitchFamily="18" charset="0"/>
+              </a:rPr>
+              <a:t>khai</a:t>
+            </a:r>
+            <a:r>
+              <a:rPr lang="en-US" dirty="0">
+                <a:latin typeface="Times New Roman" pitchFamily="18" charset="0"/>
+                <a:cs typeface="Times New Roman" pitchFamily="18" charset="0"/>
+              </a:rPr>
+              <a:t>.</a:t>
+            </a:r>
+          </a:p>
+        </p:txBody>
+      </p:sp>
+      <p:pic>
+        <p:nvPicPr>
+          <p:cNvPr id="9" name="Picture 8" descr="micro31-1.jpg"/>
+          <p:cNvPicPr>
+            <a:picLocks noChangeAspect="1"/>
+          </p:cNvPicPr>
+          <p:nvPr/>
+        </p:nvPicPr>
+        <p:blipFill rotWithShape="1">
+          <a:blip r:embed="rId3"/>
+          <a:srcRect l="33334" t="-1165" r="35353"/>
+          <a:stretch/>
+        </p:blipFill>
+        <p:spPr>
+          <a:xfrm>
+            <a:off x="3220915" y="876804"/>
+            <a:ext cx="2362200" cy="2543908"/>
+          </a:xfrm>
+          <a:prstGeom prst="rect">
+            <a:avLst/>
+          </a:prstGeom>
+        </p:spPr>
+      </p:pic>
+      <p:pic>
+        <p:nvPicPr>
+          <p:cNvPr id="10" name="Picture 9" descr="micro31-1.jpg"/>
+          <p:cNvPicPr>
+            <a:picLocks noChangeAspect="1"/>
+          </p:cNvPicPr>
+          <p:nvPr/>
+        </p:nvPicPr>
+        <p:blipFill rotWithShape="1">
+          <a:blip r:embed="rId3"/>
+          <a:srcRect l="64647" t="-2252"/>
+          <a:stretch/>
+        </p:blipFill>
+        <p:spPr>
+          <a:xfrm>
+            <a:off x="5486400" y="791508"/>
+            <a:ext cx="2667000" cy="2571207"/>
           </a:xfrm>
           <a:prstGeom prst="rect">
             <a:avLst/>
@@ -13260,9 +13439,469 @@
   <p:timing>
     <p:tnLst>
       <p:par>
-        <p:cTn id="1" dur="indefinite" restart="never" nodeType="tmRoot"/>
+        <p:cTn id="1" dur="indefinite" restart="never" nodeType="tmRoot">
+          <p:childTnLst>
+            <p:seq concurrent="1" nextAc="seek">
+              <p:cTn id="2" dur="indefinite" nodeType="mainSeq">
+                <p:childTnLst>
+                  <p:par>
+                    <p:cTn id="3" fill="hold">
+                      <p:stCondLst>
+                        <p:cond delay="indefinite"/>
+                      </p:stCondLst>
+                      <p:childTnLst>
+                        <p:par>
+                          <p:cTn id="4" fill="hold">
+                            <p:stCondLst>
+                              <p:cond delay="0"/>
+                            </p:stCondLst>
+                            <p:childTnLst>
+                              <p:par>
+                                <p:cTn id="5" presetID="6" presetClass="entr" presetSubtype="16" fill="hold" nodeType="clickEffect">
+                                  <p:stCondLst>
+                                    <p:cond delay="0"/>
+                                  </p:stCondLst>
+                                  <p:childTnLst>
+                                    <p:set>
+                                      <p:cBhvr>
+                                        <p:cTn id="6" dur="1" fill="hold">
+                                          <p:stCondLst>
+                                            <p:cond delay="0"/>
+                                          </p:stCondLst>
+                                        </p:cTn>
+                                        <p:tgtEl>
+                                          <p:spTgt spid="6"/>
+                                        </p:tgtEl>
+                                        <p:attrNameLst>
+                                          <p:attrName>style.visibility</p:attrName>
+                                        </p:attrNameLst>
+                                      </p:cBhvr>
+                                      <p:to>
+                                        <p:strVal val="visible"/>
+                                      </p:to>
+                                    </p:set>
+                                    <p:animEffect transition="in" filter="circle(in)">
+                                      <p:cBhvr>
+                                        <p:cTn id="7" dur="2000"/>
+                                        <p:tgtEl>
+                                          <p:spTgt spid="6"/>
+                                        </p:tgtEl>
+                                      </p:cBhvr>
+                                    </p:animEffect>
+                                  </p:childTnLst>
+                                </p:cTn>
+                              </p:par>
+                            </p:childTnLst>
+                          </p:cTn>
+                        </p:par>
+                      </p:childTnLst>
+                    </p:cTn>
+                  </p:par>
+                  <p:par>
+                    <p:cTn id="8" fill="hold">
+                      <p:stCondLst>
+                        <p:cond delay="indefinite"/>
+                      </p:stCondLst>
+                      <p:childTnLst>
+                        <p:par>
+                          <p:cTn id="9" fill="hold">
+                            <p:stCondLst>
+                              <p:cond delay="0"/>
+                            </p:stCondLst>
+                            <p:childTnLst>
+                              <p:par>
+                                <p:cTn id="10" presetID="21" presetClass="entr" presetSubtype="1" fill="hold" nodeType="clickEffect">
+                                  <p:stCondLst>
+                                    <p:cond delay="0"/>
+                                  </p:stCondLst>
+                                  <p:childTnLst>
+                                    <p:set>
+                                      <p:cBhvr>
+                                        <p:cTn id="11" dur="1" fill="hold">
+                                          <p:stCondLst>
+                                            <p:cond delay="0"/>
+                                          </p:stCondLst>
+                                        </p:cTn>
+                                        <p:tgtEl>
+                                          <p:spTgt spid="9"/>
+                                        </p:tgtEl>
+                                        <p:attrNameLst>
+                                          <p:attrName>style.visibility</p:attrName>
+                                        </p:attrNameLst>
+                                      </p:cBhvr>
+                                      <p:to>
+                                        <p:strVal val="visible"/>
+                                      </p:to>
+                                    </p:set>
+                                    <p:animEffect transition="in" filter="wheel(1)">
+                                      <p:cBhvr>
+                                        <p:cTn id="12" dur="2000"/>
+                                        <p:tgtEl>
+                                          <p:spTgt spid="9"/>
+                                        </p:tgtEl>
+                                      </p:cBhvr>
+                                    </p:animEffect>
+                                  </p:childTnLst>
+                                </p:cTn>
+                              </p:par>
+                            </p:childTnLst>
+                          </p:cTn>
+                        </p:par>
+                      </p:childTnLst>
+                    </p:cTn>
+                  </p:par>
+                  <p:par>
+                    <p:cTn id="13" fill="hold">
+                      <p:stCondLst>
+                        <p:cond delay="indefinite"/>
+                      </p:stCondLst>
+                      <p:childTnLst>
+                        <p:par>
+                          <p:cTn id="14" fill="hold">
+                            <p:stCondLst>
+                              <p:cond delay="0"/>
+                            </p:stCondLst>
+                            <p:childTnLst>
+                              <p:par>
+                                <p:cTn id="15" presetID="14" presetClass="entr" presetSubtype="10" fill="hold" nodeType="clickEffect">
+                                  <p:stCondLst>
+                                    <p:cond delay="0"/>
+                                  </p:stCondLst>
+                                  <p:childTnLst>
+                                    <p:set>
+                                      <p:cBhvr>
+                                        <p:cTn id="16" dur="1" fill="hold">
+                                          <p:stCondLst>
+                                            <p:cond delay="0"/>
+                                          </p:stCondLst>
+                                        </p:cTn>
+                                        <p:tgtEl>
+                                          <p:spTgt spid="10"/>
+                                        </p:tgtEl>
+                                        <p:attrNameLst>
+                                          <p:attrName>style.visibility</p:attrName>
+                                        </p:attrNameLst>
+                                      </p:cBhvr>
+                                      <p:to>
+                                        <p:strVal val="visible"/>
+                                      </p:to>
+                                    </p:set>
+                                    <p:animEffect transition="in" filter="randombar(horizontal)">
+                                      <p:cBhvr>
+                                        <p:cTn id="17" dur="500"/>
+                                        <p:tgtEl>
+                                          <p:spTgt spid="10"/>
+                                        </p:tgtEl>
+                                      </p:cBhvr>
+                                    </p:animEffect>
+                                  </p:childTnLst>
+                                </p:cTn>
+                              </p:par>
+                            </p:childTnLst>
+                          </p:cTn>
+                        </p:par>
+                      </p:childTnLst>
+                    </p:cTn>
+                  </p:par>
+                  <p:par>
+                    <p:cTn id="18" fill="hold">
+                      <p:stCondLst>
+                        <p:cond delay="indefinite"/>
+                      </p:stCondLst>
+                      <p:childTnLst>
+                        <p:par>
+                          <p:cTn id="19" fill="hold">
+                            <p:stCondLst>
+                              <p:cond delay="0"/>
+                            </p:stCondLst>
+                            <p:childTnLst>
+                              <p:par>
+                                <p:cTn id="20" presetID="2" presetClass="entr" presetSubtype="4" fill="hold" grpId="0" nodeType="clickEffect">
+                                  <p:stCondLst>
+                                    <p:cond delay="0"/>
+                                  </p:stCondLst>
+                                  <p:childTnLst>
+                                    <p:set>
+                                      <p:cBhvr>
+                                        <p:cTn id="21" dur="1" fill="hold">
+                                          <p:stCondLst>
+                                            <p:cond delay="0"/>
+                                          </p:stCondLst>
+                                        </p:cTn>
+                                        <p:tgtEl>
+                                          <p:spTgt spid="2"/>
+                                        </p:tgtEl>
+                                        <p:attrNameLst>
+                                          <p:attrName>style.visibility</p:attrName>
+                                        </p:attrNameLst>
+                                      </p:cBhvr>
+                                      <p:to>
+                                        <p:strVal val="visible"/>
+                                      </p:to>
+                                    </p:set>
+                                    <p:anim calcmode="lin" valueType="num">
+                                      <p:cBhvr additive="base">
+                                        <p:cTn id="22" dur="500" fill="hold"/>
+                                        <p:tgtEl>
+                                          <p:spTgt spid="2"/>
+                                        </p:tgtEl>
+                                        <p:attrNameLst>
+                                          <p:attrName>ppt_x</p:attrName>
+                                        </p:attrNameLst>
+                                      </p:cBhvr>
+                                      <p:tavLst>
+                                        <p:tav tm="0">
+                                          <p:val>
+                                            <p:strVal val="#ppt_x"/>
+                                          </p:val>
+                                        </p:tav>
+                                        <p:tav tm="100000">
+                                          <p:val>
+                                            <p:strVal val="#ppt_x"/>
+                                          </p:val>
+                                        </p:tav>
+                                      </p:tavLst>
+                                    </p:anim>
+                                    <p:anim calcmode="lin" valueType="num">
+                                      <p:cBhvr additive="base">
+                                        <p:cTn id="23" dur="500" fill="hold"/>
+                                        <p:tgtEl>
+                                          <p:spTgt spid="2"/>
+                                        </p:tgtEl>
+                                        <p:attrNameLst>
+                                          <p:attrName>ppt_y</p:attrName>
+                                        </p:attrNameLst>
+                                      </p:cBhvr>
+                                      <p:tavLst>
+                                        <p:tav tm="0">
+                                          <p:val>
+                                            <p:strVal val="1+#ppt_h/2"/>
+                                          </p:val>
+                                        </p:tav>
+                                        <p:tav tm="100000">
+                                          <p:val>
+                                            <p:strVal val="#ppt_y"/>
+                                          </p:val>
+                                        </p:tav>
+                                      </p:tavLst>
+                                    </p:anim>
+                                  </p:childTnLst>
+                                </p:cTn>
+                              </p:par>
+                            </p:childTnLst>
+                          </p:cTn>
+                        </p:par>
+                      </p:childTnLst>
+                    </p:cTn>
+                  </p:par>
+                  <p:par>
+                    <p:cTn id="24" fill="hold">
+                      <p:stCondLst>
+                        <p:cond delay="indefinite"/>
+                      </p:stCondLst>
+                      <p:childTnLst>
+                        <p:par>
+                          <p:cTn id="25" fill="hold">
+                            <p:stCondLst>
+                              <p:cond delay="0"/>
+                            </p:stCondLst>
+                            <p:childTnLst>
+                              <p:par>
+                                <p:cTn id="26" presetID="2" presetClass="entr" presetSubtype="4" fill="hold" grpId="0" nodeType="clickEffect">
+                                  <p:stCondLst>
+                                    <p:cond delay="0"/>
+                                  </p:stCondLst>
+                                  <p:childTnLst>
+                                    <p:set>
+                                      <p:cBhvr>
+                                        <p:cTn id="27" dur="1" fill="hold">
+                                          <p:stCondLst>
+                                            <p:cond delay="0"/>
+                                          </p:stCondLst>
+                                        </p:cTn>
+                                        <p:tgtEl>
+                                          <p:spTgt spid="3"/>
+                                        </p:tgtEl>
+                                        <p:attrNameLst>
+                                          <p:attrName>style.visibility</p:attrName>
+                                        </p:attrNameLst>
+                                      </p:cBhvr>
+                                      <p:to>
+                                        <p:strVal val="visible"/>
+                                      </p:to>
+                                    </p:set>
+                                    <p:anim calcmode="lin" valueType="num">
+                                      <p:cBhvr additive="base">
+                                        <p:cTn id="28" dur="500" fill="hold"/>
+                                        <p:tgtEl>
+                                          <p:spTgt spid="3"/>
+                                        </p:tgtEl>
+                                        <p:attrNameLst>
+                                          <p:attrName>ppt_x</p:attrName>
+                                        </p:attrNameLst>
+                                      </p:cBhvr>
+                                      <p:tavLst>
+                                        <p:tav tm="0">
+                                          <p:val>
+                                            <p:strVal val="#ppt_x"/>
+                                          </p:val>
+                                        </p:tav>
+                                        <p:tav tm="100000">
+                                          <p:val>
+                                            <p:strVal val="#ppt_x"/>
+                                          </p:val>
+                                        </p:tav>
+                                      </p:tavLst>
+                                    </p:anim>
+                                    <p:anim calcmode="lin" valueType="num">
+                                      <p:cBhvr additive="base">
+                                        <p:cTn id="29" dur="500" fill="hold"/>
+                                        <p:tgtEl>
+                                          <p:spTgt spid="3"/>
+                                        </p:tgtEl>
+                                        <p:attrNameLst>
+                                          <p:attrName>ppt_y</p:attrName>
+                                        </p:attrNameLst>
+                                      </p:cBhvr>
+                                      <p:tavLst>
+                                        <p:tav tm="0">
+                                          <p:val>
+                                            <p:strVal val="1+#ppt_h/2"/>
+                                          </p:val>
+                                        </p:tav>
+                                        <p:tav tm="100000">
+                                          <p:val>
+                                            <p:strVal val="#ppt_y"/>
+                                          </p:val>
+                                        </p:tav>
+                                      </p:tavLst>
+                                    </p:anim>
+                                  </p:childTnLst>
+                                </p:cTn>
+                              </p:par>
+                            </p:childTnLst>
+                          </p:cTn>
+                        </p:par>
+                      </p:childTnLst>
+                    </p:cTn>
+                  </p:par>
+                  <p:par>
+                    <p:cTn id="30" fill="hold">
+                      <p:stCondLst>
+                        <p:cond delay="indefinite"/>
+                      </p:stCondLst>
+                      <p:childTnLst>
+                        <p:par>
+                          <p:cTn id="31" fill="hold">
+                            <p:stCondLst>
+                              <p:cond delay="0"/>
+                            </p:stCondLst>
+                            <p:childTnLst>
+                              <p:par>
+                                <p:cTn id="32" presetID="2" presetClass="entr" presetSubtype="4" fill="hold" grpId="0" nodeType="clickEffect">
+                                  <p:stCondLst>
+                                    <p:cond delay="0"/>
+                                  </p:stCondLst>
+                                  <p:childTnLst>
+                                    <p:set>
+                                      <p:cBhvr>
+                                        <p:cTn id="33" dur="1" fill="hold">
+                                          <p:stCondLst>
+                                            <p:cond delay="0"/>
+                                          </p:stCondLst>
+                                        </p:cTn>
+                                        <p:tgtEl>
+                                          <p:spTgt spid="8"/>
+                                        </p:tgtEl>
+                                        <p:attrNameLst>
+                                          <p:attrName>style.visibility</p:attrName>
+                                        </p:attrNameLst>
+                                      </p:cBhvr>
+                                      <p:to>
+                                        <p:strVal val="visible"/>
+                                      </p:to>
+                                    </p:set>
+                                    <p:anim calcmode="lin" valueType="num">
+                                      <p:cBhvr additive="base">
+                                        <p:cTn id="34" dur="500" fill="hold"/>
+                                        <p:tgtEl>
+                                          <p:spTgt spid="8"/>
+                                        </p:tgtEl>
+                                        <p:attrNameLst>
+                                          <p:attrName>ppt_x</p:attrName>
+                                        </p:attrNameLst>
+                                      </p:cBhvr>
+                                      <p:tavLst>
+                                        <p:tav tm="0">
+                                          <p:val>
+                                            <p:strVal val="#ppt_x"/>
+                                          </p:val>
+                                        </p:tav>
+                                        <p:tav tm="100000">
+                                          <p:val>
+                                            <p:strVal val="#ppt_x"/>
+                                          </p:val>
+                                        </p:tav>
+                                      </p:tavLst>
+                                    </p:anim>
+                                    <p:anim calcmode="lin" valueType="num">
+                                      <p:cBhvr additive="base">
+                                        <p:cTn id="35" dur="500" fill="hold"/>
+                                        <p:tgtEl>
+                                          <p:spTgt spid="8"/>
+                                        </p:tgtEl>
+                                        <p:attrNameLst>
+                                          <p:attrName>ppt_y</p:attrName>
+                                        </p:attrNameLst>
+                                      </p:cBhvr>
+                                      <p:tavLst>
+                                        <p:tav tm="0">
+                                          <p:val>
+                                            <p:strVal val="1+#ppt_h/2"/>
+                                          </p:val>
+                                        </p:tav>
+                                        <p:tav tm="100000">
+                                          <p:val>
+                                            <p:strVal val="#ppt_y"/>
+                                          </p:val>
+                                        </p:tav>
+                                      </p:tavLst>
+                                    </p:anim>
+                                  </p:childTnLst>
+                                </p:cTn>
+                              </p:par>
+                            </p:childTnLst>
+                          </p:cTn>
+                        </p:par>
+                      </p:childTnLst>
+                    </p:cTn>
+                  </p:par>
+                </p:childTnLst>
+              </p:cTn>
+              <p:prevCondLst>
+                <p:cond evt="onPrev" delay="0">
+                  <p:tgtEl>
+                    <p:sldTgt/>
+                  </p:tgtEl>
+                </p:cond>
+              </p:prevCondLst>
+              <p:nextCondLst>
+                <p:cond evt="onNext" delay="0">
+                  <p:tgtEl>
+                    <p:sldTgt/>
+                  </p:tgtEl>
+                </p:cond>
+              </p:nextCondLst>
+            </p:seq>
+          </p:childTnLst>
+        </p:cTn>
       </p:par>
     </p:tnLst>
+    <p:bldLst>
+      <p:bldP spid="2" grpId="0"/>
+      <p:bldP spid="3" grpId="0"/>
+      <p:bldP spid="8" grpId="0"/>
+    </p:bldLst>
   </p:timing>
 </p:sld>
 </file>
@@ -13688,7 +14327,83 @@
   <p:timing>
     <p:tnLst>
       <p:par>
-        <p:cTn id="1" dur="indefinite" restart="never" nodeType="tmRoot"/>
+        <p:cTn id="1" dur="indefinite" restart="never" nodeType="tmRoot">
+          <p:childTnLst>
+            <p:seq concurrent="1" nextAc="seek">
+              <p:cTn id="2" dur="indefinite" nodeType="mainSeq">
+                <p:childTnLst>
+                  <p:par>
+                    <p:cTn id="3" fill="hold">
+                      <p:stCondLst>
+                        <p:cond delay="indefinite"/>
+                      </p:stCondLst>
+                      <p:childTnLst>
+                        <p:par>
+                          <p:cTn id="4" fill="hold">
+                            <p:stCondLst>
+                              <p:cond delay="0"/>
+                            </p:stCondLst>
+                            <p:childTnLst>
+                              <p:par>
+                                <p:cTn id="5" presetID="16" presetClass="entr" presetSubtype="21" fill="hold" nodeType="clickEffect">
+                                  <p:stCondLst>
+                                    <p:cond delay="0"/>
+                                  </p:stCondLst>
+                                  <p:childTnLst>
+                                    <p:set>
+                                      <p:cBhvr>
+                                        <p:cTn id="6" dur="1" fill="hold">
+                                          <p:stCondLst>
+                                            <p:cond delay="0"/>
+                                          </p:stCondLst>
+                                        </p:cTn>
+                                        <p:tgtEl>
+                                          <p:spTgt spid="7"/>
+                                        </p:tgtEl>
+                                        <p:attrNameLst>
+                                          <p:attrName>style.visibility</p:attrName>
+                                        </p:attrNameLst>
+                                      </p:cBhvr>
+                                      <p:to>
+                                        <p:strVal val="visible"/>
+                                      </p:to>
+                                    </p:set>
+                                    <p:animEffect transition="in" filter="barn(inVertical)">
+                                      <p:cBhvr>
+                                        <p:cTn id="7" dur="500"/>
+                                        <p:tgtEl>
+                                          <p:spTgt spid="7"/>
+                                        </p:tgtEl>
+                                      </p:cBhvr>
+                                    </p:animEffect>
+                                  </p:childTnLst>
+                                </p:cTn>
+                              </p:par>
+                            </p:childTnLst>
+                          </p:cTn>
+                        </p:par>
+                      </p:childTnLst>
+                    </p:cTn>
+                  </p:par>
+                </p:childTnLst>
+              </p:cTn>
+              <p:prevCondLst>
+                <p:cond evt="onPrev" delay="0">
+                  <p:tgtEl>
+                    <p:sldTgt/>
+                  </p:tgtEl>
+                </p:cond>
+              </p:prevCondLst>
+              <p:nextCondLst>
+                <p:cond evt="onNext" delay="0">
+                  <p:tgtEl>
+                    <p:sldTgt/>
+                  </p:tgtEl>
+                </p:cond>
+              </p:nextCondLst>
+            </p:seq>
+          </p:childTnLst>
+        </p:cTn>
       </p:par>
     </p:tnLst>
   </p:timing>
